--- a/Javascript.pptx
+++ b/Javascript.pptx
@@ -15,6 +15,15 @@
     <p:sldId id="275" r:id="rId9"/>
     <p:sldId id="276" r:id="rId10"/>
     <p:sldId id="277" r:id="rId11"/>
+    <p:sldId id="278" r:id="rId12"/>
+    <p:sldId id="279" r:id="rId13"/>
+    <p:sldId id="280" r:id="rId14"/>
+    <p:sldId id="281" r:id="rId15"/>
+    <p:sldId id="283" r:id="rId16"/>
+    <p:sldId id="285" r:id="rId17"/>
+    <p:sldId id="284" r:id="rId18"/>
+    <p:sldId id="286" r:id="rId19"/>
+    <p:sldId id="287" r:id="rId20"/>
   </p:sldIdLst>
   <p:sldSz cx="12192000" cy="6858000"/>
   <p:notesSz cx="6858000" cy="9144000"/>
@@ -313,7 +322,7 @@
           <a:p>
             <a:fld id="{4AAD347D-5ACD-4C99-B74B-A9C85AD731AF}" type="datetimeFigureOut">
               <a:rPr lang="en-US" dirty="0"/>
-              <a:t>5/18/2023</a:t>
+              <a:t>5/23/2023</a:t>
             </a:fld>
             <a:endParaRPr lang="en-US" dirty="0"/>
           </a:p>
@@ -583,7 +592,7 @@
           <a:p>
             <a:fld id="{4509A250-FF31-4206-8172-F9D3106AACB1}" type="datetimeFigureOut">
               <a:rPr lang="en-US" dirty="0"/>
-              <a:t>5/18/2023</a:t>
+              <a:t>5/23/2023</a:t>
             </a:fld>
             <a:endParaRPr lang="en-US" dirty="0"/>
           </a:p>
@@ -776,7 +785,7 @@
           <a:p>
             <a:fld id="{4509A250-FF31-4206-8172-F9D3106AACB1}" type="datetimeFigureOut">
               <a:rPr lang="en-US" dirty="0"/>
-              <a:t>5/18/2023</a:t>
+              <a:t>5/23/2023</a:t>
             </a:fld>
             <a:endParaRPr lang="en-US" dirty="0"/>
           </a:p>
@@ -1048,7 +1057,7 @@
           <a:p>
             <a:fld id="{4509A250-FF31-4206-8172-F9D3106AACB1}" type="datetimeFigureOut">
               <a:rPr lang="en-US" dirty="0"/>
-              <a:t>5/18/2023</a:t>
+              <a:t>5/23/2023</a:t>
             </a:fld>
             <a:endParaRPr lang="en-US" dirty="0"/>
           </a:p>
@@ -1388,7 +1397,7 @@
           <a:p>
             <a:fld id="{4509A250-FF31-4206-8172-F9D3106AACB1}" type="datetimeFigureOut">
               <a:rPr lang="en-US" dirty="0"/>
-              <a:t>5/18/2023</a:t>
+              <a:t>5/23/2023</a:t>
             </a:fld>
             <a:endParaRPr lang="en-US" dirty="0"/>
           </a:p>
@@ -2010,7 +2019,7 @@
           <a:p>
             <a:fld id="{4509A250-FF31-4206-8172-F9D3106AACB1}" type="datetimeFigureOut">
               <a:rPr lang="en-US" dirty="0"/>
-              <a:t>5/18/2023</a:t>
+              <a:t>5/23/2023</a:t>
             </a:fld>
             <a:endParaRPr lang="en-US" dirty="0"/>
           </a:p>
@@ -2857,7 +2866,7 @@
           <a:p>
             <a:fld id="{4509A250-FF31-4206-8172-F9D3106AACB1}" type="datetimeFigureOut">
               <a:rPr lang="en-US" dirty="0"/>
-              <a:t>5/18/2023</a:t>
+              <a:t>5/23/2023</a:t>
             </a:fld>
             <a:endParaRPr lang="en-US" dirty="0"/>
           </a:p>
@@ -3025,7 +3034,7 @@
           <a:p>
             <a:fld id="{4509A250-FF31-4206-8172-F9D3106AACB1}" type="datetimeFigureOut">
               <a:rPr lang="en-US" dirty="0"/>
-              <a:t>5/18/2023</a:t>
+              <a:t>5/23/2023</a:t>
             </a:fld>
             <a:endParaRPr lang="en-US" dirty="0"/>
           </a:p>
@@ -3203,7 +3212,7 @@
           <a:p>
             <a:fld id="{4509A250-FF31-4206-8172-F9D3106AACB1}" type="datetimeFigureOut">
               <a:rPr lang="en-US" dirty="0"/>
-              <a:t>5/18/2023</a:t>
+              <a:t>5/23/2023</a:t>
             </a:fld>
             <a:endParaRPr lang="en-US" dirty="0"/>
           </a:p>
@@ -3371,7 +3380,7 @@
           <a:p>
             <a:fld id="{4509A250-FF31-4206-8172-F9D3106AACB1}" type="datetimeFigureOut">
               <a:rPr lang="en-US" dirty="0"/>
-              <a:t>5/18/2023</a:t>
+              <a:t>5/23/2023</a:t>
             </a:fld>
             <a:endParaRPr lang="en-US" dirty="0"/>
           </a:p>
@@ -3617,7 +3626,7 @@
           <a:p>
             <a:fld id="{9796027F-7875-4030-9381-8BD8C4F21935}" type="datetimeFigureOut">
               <a:rPr lang="en-US" dirty="0"/>
-              <a:t>5/18/2023</a:t>
+              <a:t>5/23/2023</a:t>
             </a:fld>
             <a:endParaRPr lang="en-US" dirty="0"/>
           </a:p>
@@ -3906,7 +3915,7 @@
           <a:p>
             <a:fld id="{9796027F-7875-4030-9381-8BD8C4F21935}" type="datetimeFigureOut">
               <a:rPr lang="en-US" dirty="0"/>
-              <a:t>5/18/2023</a:t>
+              <a:t>5/23/2023</a:t>
             </a:fld>
             <a:endParaRPr lang="en-US" dirty="0"/>
           </a:p>
@@ -4347,7 +4356,7 @@
           <a:p>
             <a:fld id="{9796027F-7875-4030-9381-8BD8C4F21935}" type="datetimeFigureOut">
               <a:rPr lang="en-US" dirty="0"/>
-              <a:t>5/18/2023</a:t>
+              <a:t>5/23/2023</a:t>
             </a:fld>
             <a:endParaRPr lang="en-US" dirty="0"/>
           </a:p>
@@ -4464,7 +4473,7 @@
           <a:p>
             <a:fld id="{4509A250-FF31-4206-8172-F9D3106AACB1}" type="datetimeFigureOut">
               <a:rPr lang="en-US" dirty="0"/>
-              <a:t>5/18/2023</a:t>
+              <a:t>5/23/2023</a:t>
             </a:fld>
             <a:endParaRPr lang="en-US" dirty="0"/>
           </a:p>
@@ -4559,7 +4568,7 @@
           <a:p>
             <a:fld id="{4509A250-FF31-4206-8172-F9D3106AACB1}" type="datetimeFigureOut">
               <a:rPr lang="en-US" dirty="0"/>
-              <a:t>5/18/2023</a:t>
+              <a:t>5/23/2023</a:t>
             </a:fld>
             <a:endParaRPr lang="en-US" dirty="0"/>
           </a:p>
@@ -4836,7 +4845,7 @@
           <a:p>
             <a:fld id="{4509A250-FF31-4206-8172-F9D3106AACB1}" type="datetimeFigureOut">
               <a:rPr lang="en-US" dirty="0"/>
-              <a:t>5/18/2023</a:t>
+              <a:t>5/23/2023</a:t>
             </a:fld>
             <a:endParaRPr lang="en-US" dirty="0"/>
           </a:p>
@@ -5106,7 +5115,7 @@
           <a:p>
             <a:fld id="{4509A250-FF31-4206-8172-F9D3106AACB1}" type="datetimeFigureOut">
               <a:rPr lang="en-US" dirty="0"/>
-              <a:t>5/18/2023</a:t>
+              <a:t>5/23/2023</a:t>
             </a:fld>
             <a:endParaRPr lang="en-US" dirty="0"/>
           </a:p>
@@ -5533,7 +5542,7 @@
           <a:p>
             <a:fld id="{4AAD347D-5ACD-4C99-B74B-A9C85AD731AF}" type="datetimeFigureOut">
               <a:rPr lang="en-US" dirty="0"/>
-              <a:t>5/18/2023</a:t>
+              <a:t>5/23/2023</a:t>
             </a:fld>
             <a:endParaRPr lang="en-US" dirty="0"/>
           </a:p>
@@ -6303,6 +6312,2326 @@
     <p:extLst>
       <p:ext uri="{BB962C8B-B14F-4D97-AF65-F5344CB8AC3E}">
         <p14:creationId xmlns:p14="http://schemas.microsoft.com/office/powerpoint/2010/main" val="745647879"/>
+      </p:ext>
+    </p:extLst>
+  </p:cSld>
+  <p:clrMapOvr>
+    <a:masterClrMapping/>
+  </p:clrMapOvr>
+</p:sld>
+</file>
+
+<file path=ppt/slides/slide11.xml><?xml version="1.0" encoding="utf-8"?>
+<p:sld xmlns:a="http://schemas.openxmlformats.org/drawingml/2006/main" xmlns:r="http://schemas.openxmlformats.org/officeDocument/2006/relationships" xmlns:p="http://schemas.openxmlformats.org/presentationml/2006/main">
+  <p:cSld>
+    <p:spTree>
+      <p:nvGrpSpPr>
+        <p:cNvPr id="1" name=""/>
+        <p:cNvGrpSpPr/>
+        <p:nvPr/>
+      </p:nvGrpSpPr>
+      <p:grpSpPr>
+        <a:xfrm>
+          <a:off x="0" y="0"/>
+          <a:ext cx="0" cy="0"/>
+          <a:chOff x="0" y="0"/>
+          <a:chExt cx="0" cy="0"/>
+        </a:xfrm>
+      </p:grpSpPr>
+      <p:sp>
+        <p:nvSpPr>
+          <p:cNvPr id="4" name="TextBox 3">
+            <a:extLst>
+              <a:ext uri="{FF2B5EF4-FFF2-40B4-BE49-F238E27FC236}">
+                <a16:creationId xmlns:a16="http://schemas.microsoft.com/office/drawing/2014/main" id="{E7156463-5A0C-3D94-8BC4-FFA3F35E7D24}"/>
+              </a:ext>
+            </a:extLst>
+          </p:cNvPr>
+          <p:cNvSpPr txBox="1"/>
+          <p:nvPr/>
+        </p:nvSpPr>
+        <p:spPr>
+          <a:xfrm>
+            <a:off x="533400" y="236550"/>
+            <a:ext cx="6096000" cy="369332"/>
+          </a:xfrm>
+          <a:prstGeom prst="rect">
+            <a:avLst/>
+          </a:prstGeom>
+          <a:noFill/>
+        </p:spPr>
+        <p:txBody>
+          <a:bodyPr wrap="square">
+            <a:spAutoFit/>
+          </a:bodyPr>
+          <a:lstStyle/>
+          <a:p>
+            <a:pPr algn="l"/>
+            <a:r>
+              <a:rPr lang="en-US" b="1" i="0" dirty="0">
+                <a:effectLst/>
+                <a:latin typeface="Segoe UI" panose="020B0502040204020203" pitchFamily="34" charset="0"/>
+              </a:rPr>
+              <a:t>JavaScript For Loop</a:t>
+            </a:r>
+          </a:p>
+        </p:txBody>
+      </p:sp>
+      <p:sp>
+        <p:nvSpPr>
+          <p:cNvPr id="6" name="TextBox 5">
+            <a:extLst>
+              <a:ext uri="{FF2B5EF4-FFF2-40B4-BE49-F238E27FC236}">
+                <a16:creationId xmlns:a16="http://schemas.microsoft.com/office/drawing/2014/main" id="{0B19D756-8A9C-7426-D690-D38F2980285D}"/>
+              </a:ext>
+            </a:extLst>
+          </p:cNvPr>
+          <p:cNvSpPr txBox="1"/>
+          <p:nvPr/>
+        </p:nvSpPr>
+        <p:spPr>
+          <a:xfrm>
+            <a:off x="503959" y="719433"/>
+            <a:ext cx="9866167" cy="6093976"/>
+          </a:xfrm>
+          <a:prstGeom prst="rect">
+            <a:avLst/>
+          </a:prstGeom>
+          <a:noFill/>
+        </p:spPr>
+        <p:txBody>
+          <a:bodyPr wrap="square">
+            <a:spAutoFit/>
+          </a:bodyPr>
+          <a:lstStyle/>
+          <a:p>
+            <a:r>
+              <a:rPr lang="en-US" sz="1500" b="1" dirty="0">
+                <a:latin typeface="Verdana" panose="020B0604030504040204" pitchFamily="34" charset="0"/>
+                <a:ea typeface="Verdana" panose="020B0604030504040204" pitchFamily="34" charset="0"/>
+              </a:rPr>
+              <a:t>Different Kinds of Loops</a:t>
+            </a:r>
+          </a:p>
+          <a:p>
+            <a:r>
+              <a:rPr lang="en-US" sz="1500" dirty="0">
+                <a:latin typeface="Verdana" panose="020B0604030504040204" pitchFamily="34" charset="0"/>
+                <a:ea typeface="Verdana" panose="020B0604030504040204" pitchFamily="34" charset="0"/>
+              </a:rPr>
+              <a:t>JavaScript supports different kinds of loops:</a:t>
+            </a:r>
+          </a:p>
+          <a:p>
+            <a:endParaRPr lang="en-US" sz="1500" dirty="0">
+              <a:latin typeface="Verdana" panose="020B0604030504040204" pitchFamily="34" charset="0"/>
+              <a:ea typeface="Verdana" panose="020B0604030504040204" pitchFamily="34" charset="0"/>
+            </a:endParaRPr>
+          </a:p>
+          <a:p>
+            <a:r>
+              <a:rPr lang="en-US" sz="1500" dirty="0">
+                <a:latin typeface="Verdana" panose="020B0604030504040204" pitchFamily="34" charset="0"/>
+                <a:ea typeface="Verdana" panose="020B0604030504040204" pitchFamily="34" charset="0"/>
+              </a:rPr>
+              <a:t>for - loops through a block of code a number of times</a:t>
+            </a:r>
+          </a:p>
+          <a:p>
+            <a:r>
+              <a:rPr lang="en-US" sz="1500" dirty="0">
+                <a:latin typeface="Verdana" panose="020B0604030504040204" pitchFamily="34" charset="0"/>
+                <a:ea typeface="Verdana" panose="020B0604030504040204" pitchFamily="34" charset="0"/>
+              </a:rPr>
+              <a:t>for/in - loops through the properties of an object</a:t>
+            </a:r>
+          </a:p>
+          <a:p>
+            <a:r>
+              <a:rPr lang="en-US" sz="1500" dirty="0">
+                <a:latin typeface="Verdana" panose="020B0604030504040204" pitchFamily="34" charset="0"/>
+                <a:ea typeface="Verdana" panose="020B0604030504040204" pitchFamily="34" charset="0"/>
+              </a:rPr>
+              <a:t>for/of - loops through the values of an </a:t>
+            </a:r>
+            <a:r>
+              <a:rPr lang="en-US" sz="1500" dirty="0" err="1">
+                <a:latin typeface="Verdana" panose="020B0604030504040204" pitchFamily="34" charset="0"/>
+                <a:ea typeface="Verdana" panose="020B0604030504040204" pitchFamily="34" charset="0"/>
+              </a:rPr>
+              <a:t>iterable</a:t>
+            </a:r>
+            <a:r>
+              <a:rPr lang="en-US" sz="1500" dirty="0">
+                <a:latin typeface="Verdana" panose="020B0604030504040204" pitchFamily="34" charset="0"/>
+                <a:ea typeface="Verdana" panose="020B0604030504040204" pitchFamily="34" charset="0"/>
+              </a:rPr>
+              <a:t> object</a:t>
+            </a:r>
+          </a:p>
+          <a:p>
+            <a:r>
+              <a:rPr lang="en-US" sz="1500" dirty="0">
+                <a:latin typeface="Verdana" panose="020B0604030504040204" pitchFamily="34" charset="0"/>
+                <a:ea typeface="Verdana" panose="020B0604030504040204" pitchFamily="34" charset="0"/>
+              </a:rPr>
+              <a:t>while - loops through a block of code while a specified condition is true</a:t>
+            </a:r>
+          </a:p>
+          <a:p>
+            <a:r>
+              <a:rPr lang="en-US" sz="1500" dirty="0">
+                <a:latin typeface="Verdana" panose="020B0604030504040204" pitchFamily="34" charset="0"/>
+                <a:ea typeface="Verdana" panose="020B0604030504040204" pitchFamily="34" charset="0"/>
+              </a:rPr>
+              <a:t>do/while - also loops through a block of code while a specified condition is true</a:t>
+            </a:r>
+          </a:p>
+          <a:p>
+            <a:endParaRPr lang="en-US" sz="1500" dirty="0">
+              <a:latin typeface="Verdana" panose="020B0604030504040204" pitchFamily="34" charset="0"/>
+              <a:ea typeface="Verdana" panose="020B0604030504040204" pitchFamily="34" charset="0"/>
+            </a:endParaRPr>
+          </a:p>
+          <a:p>
+            <a:r>
+              <a:rPr lang="en-US" sz="1500" dirty="0">
+                <a:latin typeface="Verdana" panose="020B0604030504040204" pitchFamily="34" charset="0"/>
+                <a:ea typeface="Verdana" panose="020B0604030504040204" pitchFamily="34" charset="0"/>
+              </a:rPr>
+              <a:t>for (let </a:t>
+            </a:r>
+            <a:r>
+              <a:rPr lang="en-US" sz="1500" dirty="0" err="1">
+                <a:latin typeface="Verdana" panose="020B0604030504040204" pitchFamily="34" charset="0"/>
+                <a:ea typeface="Verdana" panose="020B0604030504040204" pitchFamily="34" charset="0"/>
+              </a:rPr>
+              <a:t>i</a:t>
+            </a:r>
+            <a:r>
+              <a:rPr lang="en-US" sz="1500" dirty="0">
+                <a:latin typeface="Verdana" panose="020B0604030504040204" pitchFamily="34" charset="0"/>
+                <a:ea typeface="Verdana" panose="020B0604030504040204" pitchFamily="34" charset="0"/>
+              </a:rPr>
+              <a:t> = 0; </a:t>
+            </a:r>
+            <a:r>
+              <a:rPr lang="en-US" sz="1500" dirty="0" err="1">
+                <a:latin typeface="Verdana" panose="020B0604030504040204" pitchFamily="34" charset="0"/>
+                <a:ea typeface="Verdana" panose="020B0604030504040204" pitchFamily="34" charset="0"/>
+              </a:rPr>
+              <a:t>i</a:t>
+            </a:r>
+            <a:r>
+              <a:rPr lang="en-US" sz="1500" dirty="0">
+                <a:latin typeface="Verdana" panose="020B0604030504040204" pitchFamily="34" charset="0"/>
+                <a:ea typeface="Verdana" panose="020B0604030504040204" pitchFamily="34" charset="0"/>
+              </a:rPr>
+              <a:t> &lt; 5; </a:t>
+            </a:r>
+            <a:r>
+              <a:rPr lang="en-US" sz="1500" dirty="0" err="1">
+                <a:latin typeface="Verdana" panose="020B0604030504040204" pitchFamily="34" charset="0"/>
+                <a:ea typeface="Verdana" panose="020B0604030504040204" pitchFamily="34" charset="0"/>
+              </a:rPr>
+              <a:t>i</a:t>
+            </a:r>
+            <a:r>
+              <a:rPr lang="en-US" sz="1500" dirty="0">
+                <a:latin typeface="Verdana" panose="020B0604030504040204" pitchFamily="34" charset="0"/>
+                <a:ea typeface="Verdana" panose="020B0604030504040204" pitchFamily="34" charset="0"/>
+              </a:rPr>
+              <a:t>++) {</a:t>
+            </a:r>
+          </a:p>
+          <a:p>
+            <a:r>
+              <a:rPr lang="en-US" sz="1500" dirty="0">
+                <a:latin typeface="Verdana" panose="020B0604030504040204" pitchFamily="34" charset="0"/>
+                <a:ea typeface="Verdana" panose="020B0604030504040204" pitchFamily="34" charset="0"/>
+              </a:rPr>
+              <a:t>  text += "The number is " + </a:t>
+            </a:r>
+            <a:r>
+              <a:rPr lang="en-US" sz="1500" dirty="0" err="1">
+                <a:latin typeface="Verdana" panose="020B0604030504040204" pitchFamily="34" charset="0"/>
+                <a:ea typeface="Verdana" panose="020B0604030504040204" pitchFamily="34" charset="0"/>
+              </a:rPr>
+              <a:t>i</a:t>
+            </a:r>
+            <a:r>
+              <a:rPr lang="en-US" sz="1500" dirty="0">
+                <a:latin typeface="Verdana" panose="020B0604030504040204" pitchFamily="34" charset="0"/>
+                <a:ea typeface="Verdana" panose="020B0604030504040204" pitchFamily="34" charset="0"/>
+              </a:rPr>
+              <a:t> + "&lt;</a:t>
+            </a:r>
+            <a:r>
+              <a:rPr lang="en-US" sz="1500" dirty="0" err="1">
+                <a:latin typeface="Verdana" panose="020B0604030504040204" pitchFamily="34" charset="0"/>
+                <a:ea typeface="Verdana" panose="020B0604030504040204" pitchFamily="34" charset="0"/>
+              </a:rPr>
+              <a:t>br</a:t>
+            </a:r>
+            <a:r>
+              <a:rPr lang="en-US" sz="1500" dirty="0">
+                <a:latin typeface="Verdana" panose="020B0604030504040204" pitchFamily="34" charset="0"/>
+                <a:ea typeface="Verdana" panose="020B0604030504040204" pitchFamily="34" charset="0"/>
+              </a:rPr>
+              <a:t>&gt;";</a:t>
+            </a:r>
+          </a:p>
+          <a:p>
+            <a:r>
+              <a:rPr lang="en-US" sz="1500" dirty="0">
+                <a:latin typeface="Verdana" panose="020B0604030504040204" pitchFamily="34" charset="0"/>
+                <a:ea typeface="Verdana" panose="020B0604030504040204" pitchFamily="34" charset="0"/>
+              </a:rPr>
+              <a:t>}</a:t>
+            </a:r>
+          </a:p>
+          <a:p>
+            <a:endParaRPr lang="en-US" sz="1500" dirty="0">
+              <a:latin typeface="Verdana" panose="020B0604030504040204" pitchFamily="34" charset="0"/>
+              <a:ea typeface="Verdana" panose="020B0604030504040204" pitchFamily="34" charset="0"/>
+            </a:endParaRPr>
+          </a:p>
+          <a:p>
+            <a:r>
+              <a:rPr lang="en-US" sz="1500" dirty="0">
+                <a:latin typeface="Verdana" panose="020B0604030504040204" pitchFamily="34" charset="0"/>
+                <a:ea typeface="Verdana" panose="020B0604030504040204" pitchFamily="34" charset="0"/>
+              </a:rPr>
+              <a:t>const person = {</a:t>
+            </a:r>
+            <a:r>
+              <a:rPr lang="en-US" sz="1500" dirty="0" err="1">
+                <a:latin typeface="Verdana" panose="020B0604030504040204" pitchFamily="34" charset="0"/>
+                <a:ea typeface="Verdana" panose="020B0604030504040204" pitchFamily="34" charset="0"/>
+              </a:rPr>
+              <a:t>fname</a:t>
+            </a:r>
+            <a:r>
+              <a:rPr lang="en-US" sz="1500" dirty="0">
+                <a:latin typeface="Verdana" panose="020B0604030504040204" pitchFamily="34" charset="0"/>
+                <a:ea typeface="Verdana" panose="020B0604030504040204" pitchFamily="34" charset="0"/>
+              </a:rPr>
+              <a:t>:"John", </a:t>
+            </a:r>
+            <a:r>
+              <a:rPr lang="en-US" sz="1500" dirty="0" err="1">
+                <a:latin typeface="Verdana" panose="020B0604030504040204" pitchFamily="34" charset="0"/>
+                <a:ea typeface="Verdana" panose="020B0604030504040204" pitchFamily="34" charset="0"/>
+              </a:rPr>
+              <a:t>lname</a:t>
+            </a:r>
+            <a:r>
+              <a:rPr lang="en-US" sz="1500" dirty="0">
+                <a:latin typeface="Verdana" panose="020B0604030504040204" pitchFamily="34" charset="0"/>
+                <a:ea typeface="Verdana" panose="020B0604030504040204" pitchFamily="34" charset="0"/>
+              </a:rPr>
+              <a:t>:"Doe", age:25};</a:t>
+            </a:r>
+          </a:p>
+          <a:p>
+            <a:endParaRPr lang="en-US" sz="1500" dirty="0">
+              <a:latin typeface="Verdana" panose="020B0604030504040204" pitchFamily="34" charset="0"/>
+              <a:ea typeface="Verdana" panose="020B0604030504040204" pitchFamily="34" charset="0"/>
+            </a:endParaRPr>
+          </a:p>
+          <a:p>
+            <a:r>
+              <a:rPr lang="en-US" sz="1500" dirty="0">
+                <a:latin typeface="Verdana" panose="020B0604030504040204" pitchFamily="34" charset="0"/>
+                <a:ea typeface="Verdana" panose="020B0604030504040204" pitchFamily="34" charset="0"/>
+              </a:rPr>
+              <a:t>let text = "";</a:t>
+            </a:r>
+          </a:p>
+          <a:p>
+            <a:r>
+              <a:rPr lang="en-US" sz="1500" dirty="0">
+                <a:latin typeface="Verdana" panose="020B0604030504040204" pitchFamily="34" charset="0"/>
+                <a:ea typeface="Verdana" panose="020B0604030504040204" pitchFamily="34" charset="0"/>
+              </a:rPr>
+              <a:t>for (let x in person) {</a:t>
+            </a:r>
+          </a:p>
+          <a:p>
+            <a:r>
+              <a:rPr lang="en-US" sz="1500" dirty="0">
+                <a:latin typeface="Verdana" panose="020B0604030504040204" pitchFamily="34" charset="0"/>
+                <a:ea typeface="Verdana" panose="020B0604030504040204" pitchFamily="34" charset="0"/>
+              </a:rPr>
+              <a:t>  text += person[x];</a:t>
+            </a:r>
+          </a:p>
+          <a:p>
+            <a:r>
+              <a:rPr lang="en-US" sz="1500" dirty="0">
+                <a:latin typeface="Verdana" panose="020B0604030504040204" pitchFamily="34" charset="0"/>
+                <a:ea typeface="Verdana" panose="020B0604030504040204" pitchFamily="34" charset="0"/>
+              </a:rPr>
+              <a:t>}</a:t>
+            </a:r>
+          </a:p>
+          <a:p>
+            <a:endParaRPr lang="en-US" sz="1500" dirty="0">
+              <a:latin typeface="Verdana" panose="020B0604030504040204" pitchFamily="34" charset="0"/>
+              <a:ea typeface="Verdana" panose="020B0604030504040204" pitchFamily="34" charset="0"/>
+            </a:endParaRPr>
+          </a:p>
+          <a:p>
+            <a:r>
+              <a:rPr lang="en-US" sz="1500" dirty="0">
+                <a:latin typeface="Verdana" panose="020B0604030504040204" pitchFamily="34" charset="0"/>
+                <a:ea typeface="Verdana" panose="020B0604030504040204" pitchFamily="34" charset="0"/>
+              </a:rPr>
+              <a:t>const numbers = [45, 4, 9, 16, 25];</a:t>
+            </a:r>
+          </a:p>
+          <a:p>
+            <a:endParaRPr lang="en-US" sz="1500" dirty="0">
+              <a:latin typeface="Verdana" panose="020B0604030504040204" pitchFamily="34" charset="0"/>
+              <a:ea typeface="Verdana" panose="020B0604030504040204" pitchFamily="34" charset="0"/>
+            </a:endParaRPr>
+          </a:p>
+          <a:p>
+            <a:r>
+              <a:rPr lang="en-US" sz="1500" dirty="0">
+                <a:latin typeface="Verdana" panose="020B0604030504040204" pitchFamily="34" charset="0"/>
+                <a:ea typeface="Verdana" panose="020B0604030504040204" pitchFamily="34" charset="0"/>
+              </a:rPr>
+              <a:t>let txt = "";</a:t>
+            </a:r>
+          </a:p>
+          <a:p>
+            <a:r>
+              <a:rPr lang="en-US" sz="1500" dirty="0">
+                <a:latin typeface="Verdana" panose="020B0604030504040204" pitchFamily="34" charset="0"/>
+                <a:ea typeface="Verdana" panose="020B0604030504040204" pitchFamily="34" charset="0"/>
+              </a:rPr>
+              <a:t>for (let x in numbers) {</a:t>
+            </a:r>
+          </a:p>
+          <a:p>
+            <a:r>
+              <a:rPr lang="en-US" sz="1500" dirty="0">
+                <a:latin typeface="Verdana" panose="020B0604030504040204" pitchFamily="34" charset="0"/>
+                <a:ea typeface="Verdana" panose="020B0604030504040204" pitchFamily="34" charset="0"/>
+              </a:rPr>
+              <a:t>  txt += numbers[x];</a:t>
+            </a:r>
+          </a:p>
+          <a:p>
+            <a:r>
+              <a:rPr lang="en-US" sz="1500" dirty="0">
+                <a:latin typeface="Verdana" panose="020B0604030504040204" pitchFamily="34" charset="0"/>
+                <a:ea typeface="Verdana" panose="020B0604030504040204" pitchFamily="34" charset="0"/>
+              </a:rPr>
+              <a:t>}</a:t>
+            </a:r>
+          </a:p>
+        </p:txBody>
+      </p:sp>
+    </p:spTree>
+    <p:extLst>
+      <p:ext uri="{BB962C8B-B14F-4D97-AF65-F5344CB8AC3E}">
+        <p14:creationId xmlns:p14="http://schemas.microsoft.com/office/powerpoint/2010/main" val="2344248018"/>
+      </p:ext>
+    </p:extLst>
+  </p:cSld>
+  <p:clrMapOvr>
+    <a:masterClrMapping/>
+  </p:clrMapOvr>
+</p:sld>
+</file>
+
+<file path=ppt/slides/slide12.xml><?xml version="1.0" encoding="utf-8"?>
+<p:sld xmlns:a="http://schemas.openxmlformats.org/drawingml/2006/main" xmlns:r="http://schemas.openxmlformats.org/officeDocument/2006/relationships" xmlns:p="http://schemas.openxmlformats.org/presentationml/2006/main">
+  <p:cSld>
+    <p:spTree>
+      <p:nvGrpSpPr>
+        <p:cNvPr id="1" name=""/>
+        <p:cNvGrpSpPr/>
+        <p:nvPr/>
+      </p:nvGrpSpPr>
+      <p:grpSpPr>
+        <a:xfrm>
+          <a:off x="0" y="0"/>
+          <a:ext cx="0" cy="0"/>
+          <a:chOff x="0" y="0"/>
+          <a:chExt cx="0" cy="0"/>
+        </a:xfrm>
+      </p:grpSpPr>
+      <p:sp>
+        <p:nvSpPr>
+          <p:cNvPr id="4" name="TextBox 3">
+            <a:extLst>
+              <a:ext uri="{FF2B5EF4-FFF2-40B4-BE49-F238E27FC236}">
+                <a16:creationId xmlns:a16="http://schemas.microsoft.com/office/drawing/2014/main" id="{E7156463-5A0C-3D94-8BC4-FFA3F35E7D24}"/>
+              </a:ext>
+            </a:extLst>
+          </p:cNvPr>
+          <p:cNvSpPr txBox="1"/>
+          <p:nvPr/>
+        </p:nvSpPr>
+        <p:spPr>
+          <a:xfrm>
+            <a:off x="533400" y="236550"/>
+            <a:ext cx="6096000" cy="369332"/>
+          </a:xfrm>
+          <a:prstGeom prst="rect">
+            <a:avLst/>
+          </a:prstGeom>
+          <a:noFill/>
+        </p:spPr>
+        <p:txBody>
+          <a:bodyPr wrap="square">
+            <a:spAutoFit/>
+          </a:bodyPr>
+          <a:lstStyle/>
+          <a:p>
+            <a:pPr algn="l"/>
+            <a:r>
+              <a:rPr lang="en-US" b="1" i="0" dirty="0">
+                <a:effectLst/>
+                <a:latin typeface="Segoe UI" panose="020B0502040204020203" pitchFamily="34" charset="0"/>
+              </a:rPr>
+              <a:t>JavaScript For Loop</a:t>
+            </a:r>
+          </a:p>
+        </p:txBody>
+      </p:sp>
+      <p:sp>
+        <p:nvSpPr>
+          <p:cNvPr id="6" name="TextBox 5">
+            <a:extLst>
+              <a:ext uri="{FF2B5EF4-FFF2-40B4-BE49-F238E27FC236}">
+                <a16:creationId xmlns:a16="http://schemas.microsoft.com/office/drawing/2014/main" id="{0B19D756-8A9C-7426-D690-D38F2980285D}"/>
+              </a:ext>
+            </a:extLst>
+          </p:cNvPr>
+          <p:cNvSpPr txBox="1"/>
+          <p:nvPr/>
+        </p:nvSpPr>
+        <p:spPr>
+          <a:xfrm>
+            <a:off x="503959" y="719433"/>
+            <a:ext cx="9866167" cy="5170646"/>
+          </a:xfrm>
+          <a:prstGeom prst="rect">
+            <a:avLst/>
+          </a:prstGeom>
+          <a:noFill/>
+        </p:spPr>
+        <p:txBody>
+          <a:bodyPr wrap="square">
+            <a:spAutoFit/>
+          </a:bodyPr>
+          <a:lstStyle/>
+          <a:p>
+            <a:r>
+              <a:rPr lang="en-US" sz="1500" dirty="0">
+                <a:latin typeface="Verdana" panose="020B0604030504040204" pitchFamily="34" charset="0"/>
+                <a:ea typeface="Verdana" panose="020B0604030504040204" pitchFamily="34" charset="0"/>
+              </a:rPr>
+              <a:t>const cars = ["BMW", "Volvo", "Mini"];</a:t>
+            </a:r>
+          </a:p>
+          <a:p>
+            <a:endParaRPr lang="en-US" sz="1500" dirty="0">
+              <a:latin typeface="Verdana" panose="020B0604030504040204" pitchFamily="34" charset="0"/>
+              <a:ea typeface="Verdana" panose="020B0604030504040204" pitchFamily="34" charset="0"/>
+            </a:endParaRPr>
+          </a:p>
+          <a:p>
+            <a:r>
+              <a:rPr lang="en-US" sz="1500" dirty="0">
+                <a:latin typeface="Verdana" panose="020B0604030504040204" pitchFamily="34" charset="0"/>
+                <a:ea typeface="Verdana" panose="020B0604030504040204" pitchFamily="34" charset="0"/>
+              </a:rPr>
+              <a:t>let text = "";</a:t>
+            </a:r>
+          </a:p>
+          <a:p>
+            <a:r>
+              <a:rPr lang="en-US" sz="1500" dirty="0">
+                <a:latin typeface="Verdana" panose="020B0604030504040204" pitchFamily="34" charset="0"/>
+                <a:ea typeface="Verdana" panose="020B0604030504040204" pitchFamily="34" charset="0"/>
+              </a:rPr>
+              <a:t>for (let x of cars) {</a:t>
+            </a:r>
+          </a:p>
+          <a:p>
+            <a:r>
+              <a:rPr lang="en-US" sz="1500" dirty="0">
+                <a:latin typeface="Verdana" panose="020B0604030504040204" pitchFamily="34" charset="0"/>
+                <a:ea typeface="Verdana" panose="020B0604030504040204" pitchFamily="34" charset="0"/>
+              </a:rPr>
+              <a:t>  text += x;</a:t>
+            </a:r>
+          </a:p>
+          <a:p>
+            <a:r>
+              <a:rPr lang="en-US" sz="1500" dirty="0">
+                <a:latin typeface="Verdana" panose="020B0604030504040204" pitchFamily="34" charset="0"/>
+                <a:ea typeface="Verdana" panose="020B0604030504040204" pitchFamily="34" charset="0"/>
+              </a:rPr>
+              <a:t>} </a:t>
+            </a:r>
+          </a:p>
+          <a:p>
+            <a:endParaRPr lang="en-US" sz="1500" dirty="0">
+              <a:latin typeface="Verdana" panose="020B0604030504040204" pitchFamily="34" charset="0"/>
+              <a:ea typeface="Verdana" panose="020B0604030504040204" pitchFamily="34" charset="0"/>
+            </a:endParaRPr>
+          </a:p>
+          <a:p>
+            <a:r>
+              <a:rPr lang="en-US" sz="1500" b="1" dirty="0">
+                <a:latin typeface="Verdana" panose="020B0604030504040204" pitchFamily="34" charset="0"/>
+                <a:ea typeface="Verdana" panose="020B0604030504040204" pitchFamily="34" charset="0"/>
+              </a:rPr>
+              <a:t>The While Loop</a:t>
+            </a:r>
+          </a:p>
+          <a:p>
+            <a:r>
+              <a:rPr lang="en-US" sz="1500" dirty="0">
+                <a:latin typeface="Verdana" panose="020B0604030504040204" pitchFamily="34" charset="0"/>
+                <a:ea typeface="Verdana" panose="020B0604030504040204" pitchFamily="34" charset="0"/>
+              </a:rPr>
+              <a:t>The while loop loops through a block of code as long as a specified condition is true.</a:t>
+            </a:r>
+          </a:p>
+          <a:p>
+            <a:r>
+              <a:rPr lang="en-US" sz="1500" dirty="0">
+                <a:latin typeface="Verdana" panose="020B0604030504040204" pitchFamily="34" charset="0"/>
+                <a:ea typeface="Verdana" panose="020B0604030504040204" pitchFamily="34" charset="0"/>
+              </a:rPr>
+              <a:t>while (</a:t>
+            </a:r>
+            <a:r>
+              <a:rPr lang="en-US" sz="1500" dirty="0" err="1">
+                <a:latin typeface="Verdana" panose="020B0604030504040204" pitchFamily="34" charset="0"/>
+                <a:ea typeface="Verdana" panose="020B0604030504040204" pitchFamily="34" charset="0"/>
+              </a:rPr>
+              <a:t>i</a:t>
+            </a:r>
+            <a:r>
+              <a:rPr lang="en-US" sz="1500" dirty="0">
+                <a:latin typeface="Verdana" panose="020B0604030504040204" pitchFamily="34" charset="0"/>
+                <a:ea typeface="Verdana" panose="020B0604030504040204" pitchFamily="34" charset="0"/>
+              </a:rPr>
+              <a:t> &lt; 10) {</a:t>
+            </a:r>
+          </a:p>
+          <a:p>
+            <a:r>
+              <a:rPr lang="en-US" sz="1500" dirty="0">
+                <a:latin typeface="Verdana" panose="020B0604030504040204" pitchFamily="34" charset="0"/>
+                <a:ea typeface="Verdana" panose="020B0604030504040204" pitchFamily="34" charset="0"/>
+              </a:rPr>
+              <a:t>  text += "The number is " + </a:t>
+            </a:r>
+            <a:r>
+              <a:rPr lang="en-US" sz="1500" dirty="0" err="1">
+                <a:latin typeface="Verdana" panose="020B0604030504040204" pitchFamily="34" charset="0"/>
+                <a:ea typeface="Verdana" panose="020B0604030504040204" pitchFamily="34" charset="0"/>
+              </a:rPr>
+              <a:t>i</a:t>
+            </a:r>
+            <a:r>
+              <a:rPr lang="en-US" sz="1500" dirty="0">
+                <a:latin typeface="Verdana" panose="020B0604030504040204" pitchFamily="34" charset="0"/>
+                <a:ea typeface="Verdana" panose="020B0604030504040204" pitchFamily="34" charset="0"/>
+              </a:rPr>
+              <a:t>;</a:t>
+            </a:r>
+          </a:p>
+          <a:p>
+            <a:r>
+              <a:rPr lang="en-US" sz="1500" dirty="0">
+                <a:latin typeface="Verdana" panose="020B0604030504040204" pitchFamily="34" charset="0"/>
+                <a:ea typeface="Verdana" panose="020B0604030504040204" pitchFamily="34" charset="0"/>
+              </a:rPr>
+              <a:t>  </a:t>
+            </a:r>
+            <a:r>
+              <a:rPr lang="en-US" sz="1500" dirty="0" err="1">
+                <a:latin typeface="Verdana" panose="020B0604030504040204" pitchFamily="34" charset="0"/>
+                <a:ea typeface="Verdana" panose="020B0604030504040204" pitchFamily="34" charset="0"/>
+              </a:rPr>
+              <a:t>i</a:t>
+            </a:r>
+            <a:r>
+              <a:rPr lang="en-US" sz="1500" dirty="0">
+                <a:latin typeface="Verdana" panose="020B0604030504040204" pitchFamily="34" charset="0"/>
+                <a:ea typeface="Verdana" panose="020B0604030504040204" pitchFamily="34" charset="0"/>
+              </a:rPr>
+              <a:t>++;</a:t>
+            </a:r>
+          </a:p>
+          <a:p>
+            <a:r>
+              <a:rPr lang="en-US" sz="1500" dirty="0">
+                <a:latin typeface="Verdana" panose="020B0604030504040204" pitchFamily="34" charset="0"/>
+                <a:ea typeface="Verdana" panose="020B0604030504040204" pitchFamily="34" charset="0"/>
+              </a:rPr>
+              <a:t>}</a:t>
+            </a:r>
+          </a:p>
+          <a:p>
+            <a:r>
+              <a:rPr lang="en-US" sz="1500" dirty="0">
+                <a:latin typeface="Verdana" panose="020B0604030504040204" pitchFamily="34" charset="0"/>
+                <a:ea typeface="Verdana" panose="020B0604030504040204" pitchFamily="34" charset="0"/>
+              </a:rPr>
+              <a:t>uses a do while loop. The loop will always be executed at least once, even if the condition is false, because the code block is executed before the condition is tested:</a:t>
+            </a:r>
+          </a:p>
+          <a:p>
+            <a:endParaRPr lang="en-US" sz="1500" dirty="0">
+              <a:latin typeface="Verdana" panose="020B0604030504040204" pitchFamily="34" charset="0"/>
+              <a:ea typeface="Verdana" panose="020B0604030504040204" pitchFamily="34" charset="0"/>
+            </a:endParaRPr>
+          </a:p>
+          <a:p>
+            <a:r>
+              <a:rPr lang="en-US" sz="1500" dirty="0">
+                <a:latin typeface="Verdana" panose="020B0604030504040204" pitchFamily="34" charset="0"/>
+                <a:ea typeface="Verdana" panose="020B0604030504040204" pitchFamily="34" charset="0"/>
+              </a:rPr>
+              <a:t>do {</a:t>
+            </a:r>
+          </a:p>
+          <a:p>
+            <a:r>
+              <a:rPr lang="en-US" sz="1500" dirty="0">
+                <a:latin typeface="Verdana" panose="020B0604030504040204" pitchFamily="34" charset="0"/>
+                <a:ea typeface="Verdana" panose="020B0604030504040204" pitchFamily="34" charset="0"/>
+              </a:rPr>
+              <a:t>  text += "The number is " + </a:t>
+            </a:r>
+            <a:r>
+              <a:rPr lang="en-US" sz="1500" dirty="0" err="1">
+                <a:latin typeface="Verdana" panose="020B0604030504040204" pitchFamily="34" charset="0"/>
+                <a:ea typeface="Verdana" panose="020B0604030504040204" pitchFamily="34" charset="0"/>
+              </a:rPr>
+              <a:t>i</a:t>
+            </a:r>
+            <a:r>
+              <a:rPr lang="en-US" sz="1500" dirty="0">
+                <a:latin typeface="Verdana" panose="020B0604030504040204" pitchFamily="34" charset="0"/>
+                <a:ea typeface="Verdana" panose="020B0604030504040204" pitchFamily="34" charset="0"/>
+              </a:rPr>
+              <a:t>;</a:t>
+            </a:r>
+          </a:p>
+          <a:p>
+            <a:r>
+              <a:rPr lang="en-US" sz="1500" dirty="0">
+                <a:latin typeface="Verdana" panose="020B0604030504040204" pitchFamily="34" charset="0"/>
+                <a:ea typeface="Verdana" panose="020B0604030504040204" pitchFamily="34" charset="0"/>
+              </a:rPr>
+              <a:t>  </a:t>
+            </a:r>
+            <a:r>
+              <a:rPr lang="en-US" sz="1500" dirty="0" err="1">
+                <a:latin typeface="Verdana" panose="020B0604030504040204" pitchFamily="34" charset="0"/>
+                <a:ea typeface="Verdana" panose="020B0604030504040204" pitchFamily="34" charset="0"/>
+              </a:rPr>
+              <a:t>i</a:t>
+            </a:r>
+            <a:r>
+              <a:rPr lang="en-US" sz="1500" dirty="0">
+                <a:latin typeface="Verdana" panose="020B0604030504040204" pitchFamily="34" charset="0"/>
+                <a:ea typeface="Verdana" panose="020B0604030504040204" pitchFamily="34" charset="0"/>
+              </a:rPr>
+              <a:t>++;</a:t>
+            </a:r>
+          </a:p>
+          <a:p>
+            <a:r>
+              <a:rPr lang="en-US" sz="1500" dirty="0">
+                <a:latin typeface="Verdana" panose="020B0604030504040204" pitchFamily="34" charset="0"/>
+                <a:ea typeface="Verdana" panose="020B0604030504040204" pitchFamily="34" charset="0"/>
+              </a:rPr>
+              <a:t>}</a:t>
+            </a:r>
+          </a:p>
+          <a:p>
+            <a:r>
+              <a:rPr lang="en-US" sz="1500" dirty="0">
+                <a:latin typeface="Verdana" panose="020B0604030504040204" pitchFamily="34" charset="0"/>
+                <a:ea typeface="Verdana" panose="020B0604030504040204" pitchFamily="34" charset="0"/>
+              </a:rPr>
+              <a:t>while (</a:t>
+            </a:r>
+            <a:r>
+              <a:rPr lang="en-US" sz="1500" dirty="0" err="1">
+                <a:latin typeface="Verdana" panose="020B0604030504040204" pitchFamily="34" charset="0"/>
+                <a:ea typeface="Verdana" panose="020B0604030504040204" pitchFamily="34" charset="0"/>
+              </a:rPr>
+              <a:t>i</a:t>
+            </a:r>
+            <a:r>
+              <a:rPr lang="en-US" sz="1500" dirty="0">
+                <a:latin typeface="Verdana" panose="020B0604030504040204" pitchFamily="34" charset="0"/>
+                <a:ea typeface="Verdana" panose="020B0604030504040204" pitchFamily="34" charset="0"/>
+              </a:rPr>
+              <a:t> &lt; 10);</a:t>
+            </a:r>
+          </a:p>
+          <a:p>
+            <a:endParaRPr lang="en-US" sz="1500" dirty="0">
+              <a:latin typeface="Verdana" panose="020B0604030504040204" pitchFamily="34" charset="0"/>
+              <a:ea typeface="Verdana" panose="020B0604030504040204" pitchFamily="34" charset="0"/>
+            </a:endParaRPr>
+          </a:p>
+        </p:txBody>
+      </p:sp>
+    </p:spTree>
+    <p:extLst>
+      <p:ext uri="{BB962C8B-B14F-4D97-AF65-F5344CB8AC3E}">
+        <p14:creationId xmlns:p14="http://schemas.microsoft.com/office/powerpoint/2010/main" val="825425466"/>
+      </p:ext>
+    </p:extLst>
+  </p:cSld>
+  <p:clrMapOvr>
+    <a:masterClrMapping/>
+  </p:clrMapOvr>
+</p:sld>
+</file>
+
+<file path=ppt/slides/slide13.xml><?xml version="1.0" encoding="utf-8"?>
+<p:sld xmlns:a="http://schemas.openxmlformats.org/drawingml/2006/main" xmlns:r="http://schemas.openxmlformats.org/officeDocument/2006/relationships" xmlns:p="http://schemas.openxmlformats.org/presentationml/2006/main">
+  <p:cSld>
+    <p:spTree>
+      <p:nvGrpSpPr>
+        <p:cNvPr id="1" name=""/>
+        <p:cNvGrpSpPr/>
+        <p:nvPr/>
+      </p:nvGrpSpPr>
+      <p:grpSpPr>
+        <a:xfrm>
+          <a:off x="0" y="0"/>
+          <a:ext cx="0" cy="0"/>
+          <a:chOff x="0" y="0"/>
+          <a:chExt cx="0" cy="0"/>
+        </a:xfrm>
+      </p:grpSpPr>
+      <p:sp>
+        <p:nvSpPr>
+          <p:cNvPr id="4" name="TextBox 3">
+            <a:extLst>
+              <a:ext uri="{FF2B5EF4-FFF2-40B4-BE49-F238E27FC236}">
+                <a16:creationId xmlns:a16="http://schemas.microsoft.com/office/drawing/2014/main" id="{E7156463-5A0C-3D94-8BC4-FFA3F35E7D24}"/>
+              </a:ext>
+            </a:extLst>
+          </p:cNvPr>
+          <p:cNvSpPr txBox="1"/>
+          <p:nvPr/>
+        </p:nvSpPr>
+        <p:spPr>
+          <a:xfrm>
+            <a:off x="533400" y="236550"/>
+            <a:ext cx="6096000" cy="369332"/>
+          </a:xfrm>
+          <a:prstGeom prst="rect">
+            <a:avLst/>
+          </a:prstGeom>
+          <a:noFill/>
+        </p:spPr>
+        <p:txBody>
+          <a:bodyPr wrap="square">
+            <a:spAutoFit/>
+          </a:bodyPr>
+          <a:lstStyle/>
+          <a:p>
+            <a:pPr algn="l"/>
+            <a:r>
+              <a:rPr lang="en-US" b="1" i="0" dirty="0">
+                <a:effectLst/>
+                <a:latin typeface="Segoe UI" panose="020B0502040204020203" pitchFamily="34" charset="0"/>
+              </a:rPr>
+              <a:t>JavaScript Classes</a:t>
+            </a:r>
+          </a:p>
+        </p:txBody>
+      </p:sp>
+      <p:sp>
+        <p:nvSpPr>
+          <p:cNvPr id="6" name="TextBox 5">
+            <a:extLst>
+              <a:ext uri="{FF2B5EF4-FFF2-40B4-BE49-F238E27FC236}">
+                <a16:creationId xmlns:a16="http://schemas.microsoft.com/office/drawing/2014/main" id="{0B19D756-8A9C-7426-D690-D38F2980285D}"/>
+              </a:ext>
+            </a:extLst>
+          </p:cNvPr>
+          <p:cNvSpPr txBox="1"/>
+          <p:nvPr/>
+        </p:nvSpPr>
+        <p:spPr>
+          <a:xfrm>
+            <a:off x="503959" y="719433"/>
+            <a:ext cx="9866167" cy="5632311"/>
+          </a:xfrm>
+          <a:prstGeom prst="rect">
+            <a:avLst/>
+          </a:prstGeom>
+          <a:noFill/>
+        </p:spPr>
+        <p:txBody>
+          <a:bodyPr wrap="square">
+            <a:spAutoFit/>
+          </a:bodyPr>
+          <a:lstStyle/>
+          <a:p>
+            <a:r>
+              <a:rPr lang="en-US" sz="1500" dirty="0">
+                <a:latin typeface="Verdana" panose="020B0604030504040204" pitchFamily="34" charset="0"/>
+                <a:ea typeface="Verdana" panose="020B0604030504040204" pitchFamily="34" charset="0"/>
+              </a:rPr>
+              <a:t>ECMAScript 2015, also known as ES6, introduced JavaScript Classes.</a:t>
+            </a:r>
+          </a:p>
+          <a:p>
+            <a:endParaRPr lang="en-US" sz="1500" dirty="0">
+              <a:latin typeface="Verdana" panose="020B0604030504040204" pitchFamily="34" charset="0"/>
+              <a:ea typeface="Verdana" panose="020B0604030504040204" pitchFamily="34" charset="0"/>
+            </a:endParaRPr>
+          </a:p>
+          <a:p>
+            <a:r>
+              <a:rPr lang="en-US" sz="1500" dirty="0">
+                <a:latin typeface="Verdana" panose="020B0604030504040204" pitchFamily="34" charset="0"/>
+                <a:ea typeface="Verdana" panose="020B0604030504040204" pitchFamily="34" charset="0"/>
+              </a:rPr>
+              <a:t>JavaScript Classes are templates for JavaScript Objects.</a:t>
+            </a:r>
+          </a:p>
+          <a:p>
+            <a:endParaRPr lang="en-US" sz="1500" dirty="0">
+              <a:latin typeface="Verdana" panose="020B0604030504040204" pitchFamily="34" charset="0"/>
+              <a:ea typeface="Verdana" panose="020B0604030504040204" pitchFamily="34" charset="0"/>
+            </a:endParaRPr>
+          </a:p>
+          <a:p>
+            <a:r>
+              <a:rPr lang="en-US" sz="1500" dirty="0">
+                <a:latin typeface="Verdana" panose="020B0604030504040204" pitchFamily="34" charset="0"/>
+                <a:ea typeface="Verdana" panose="020B0604030504040204" pitchFamily="34" charset="0"/>
+              </a:rPr>
+              <a:t>JavaScript Class Syntax</a:t>
+            </a:r>
+          </a:p>
+          <a:p>
+            <a:r>
+              <a:rPr lang="en-US" sz="1500" dirty="0">
+                <a:latin typeface="Verdana" panose="020B0604030504040204" pitchFamily="34" charset="0"/>
+                <a:ea typeface="Verdana" panose="020B0604030504040204" pitchFamily="34" charset="0"/>
+              </a:rPr>
+              <a:t>Use the keyword class to create a class.</a:t>
+            </a:r>
+          </a:p>
+          <a:p>
+            <a:endParaRPr lang="en-US" sz="1500" dirty="0">
+              <a:latin typeface="Verdana" panose="020B0604030504040204" pitchFamily="34" charset="0"/>
+              <a:ea typeface="Verdana" panose="020B0604030504040204" pitchFamily="34" charset="0"/>
+            </a:endParaRPr>
+          </a:p>
+          <a:p>
+            <a:r>
+              <a:rPr lang="en-US" sz="1500" dirty="0">
+                <a:latin typeface="Verdana" panose="020B0604030504040204" pitchFamily="34" charset="0"/>
+                <a:ea typeface="Verdana" panose="020B0604030504040204" pitchFamily="34" charset="0"/>
+              </a:rPr>
+              <a:t>Always add a method named constructor():</a:t>
+            </a:r>
+          </a:p>
+          <a:p>
+            <a:r>
+              <a:rPr lang="en-US" sz="1500" dirty="0">
+                <a:latin typeface="Verdana" panose="020B0604030504040204" pitchFamily="34" charset="0"/>
+                <a:ea typeface="Verdana" panose="020B0604030504040204" pitchFamily="34" charset="0"/>
+              </a:rPr>
+              <a:t>class Car {</a:t>
+            </a:r>
+          </a:p>
+          <a:p>
+            <a:r>
+              <a:rPr lang="en-US" sz="1500" dirty="0">
+                <a:latin typeface="Verdana" panose="020B0604030504040204" pitchFamily="34" charset="0"/>
+                <a:ea typeface="Verdana" panose="020B0604030504040204" pitchFamily="34" charset="0"/>
+              </a:rPr>
+              <a:t>  constructor(name, year) {</a:t>
+            </a:r>
+          </a:p>
+          <a:p>
+            <a:r>
+              <a:rPr lang="en-US" sz="1500" dirty="0">
+                <a:latin typeface="Verdana" panose="020B0604030504040204" pitchFamily="34" charset="0"/>
+                <a:ea typeface="Verdana" panose="020B0604030504040204" pitchFamily="34" charset="0"/>
+              </a:rPr>
+              <a:t>    this.name = name;</a:t>
+            </a:r>
+          </a:p>
+          <a:p>
+            <a:r>
+              <a:rPr lang="en-US" sz="1500" dirty="0">
+                <a:latin typeface="Verdana" panose="020B0604030504040204" pitchFamily="34" charset="0"/>
+                <a:ea typeface="Verdana" panose="020B0604030504040204" pitchFamily="34" charset="0"/>
+              </a:rPr>
+              <a:t>    </a:t>
+            </a:r>
+            <a:r>
+              <a:rPr lang="en-US" sz="1500" dirty="0" err="1">
+                <a:latin typeface="Verdana" panose="020B0604030504040204" pitchFamily="34" charset="0"/>
+                <a:ea typeface="Verdana" panose="020B0604030504040204" pitchFamily="34" charset="0"/>
+              </a:rPr>
+              <a:t>this.year</a:t>
+            </a:r>
+            <a:r>
+              <a:rPr lang="en-US" sz="1500" dirty="0">
+                <a:latin typeface="Verdana" panose="020B0604030504040204" pitchFamily="34" charset="0"/>
+                <a:ea typeface="Verdana" panose="020B0604030504040204" pitchFamily="34" charset="0"/>
+              </a:rPr>
+              <a:t> = year;</a:t>
+            </a:r>
+          </a:p>
+          <a:p>
+            <a:r>
+              <a:rPr lang="en-US" sz="1500" dirty="0">
+                <a:latin typeface="Verdana" panose="020B0604030504040204" pitchFamily="34" charset="0"/>
+                <a:ea typeface="Verdana" panose="020B0604030504040204" pitchFamily="34" charset="0"/>
+              </a:rPr>
+              <a:t>  }</a:t>
+            </a:r>
+          </a:p>
+          <a:p>
+            <a:r>
+              <a:rPr lang="en-US" sz="1500" dirty="0">
+                <a:latin typeface="Verdana" panose="020B0604030504040204" pitchFamily="34" charset="0"/>
+                <a:ea typeface="Verdana" panose="020B0604030504040204" pitchFamily="34" charset="0"/>
+              </a:rPr>
+              <a:t>} </a:t>
+            </a:r>
+          </a:p>
+          <a:p>
+            <a:endParaRPr lang="en-US" sz="1500" dirty="0">
+              <a:latin typeface="Verdana" panose="020B0604030504040204" pitchFamily="34" charset="0"/>
+              <a:ea typeface="Verdana" panose="020B0604030504040204" pitchFamily="34" charset="0"/>
+            </a:endParaRPr>
+          </a:p>
+          <a:p>
+            <a:r>
+              <a:rPr lang="en-US" sz="1500" dirty="0">
+                <a:latin typeface="Verdana" panose="020B0604030504040204" pitchFamily="34" charset="0"/>
+                <a:ea typeface="Verdana" panose="020B0604030504040204" pitchFamily="34" charset="0"/>
+              </a:rPr>
+              <a:t>const myCar1 = new Car("Ford", 2014);</a:t>
+            </a:r>
+          </a:p>
+          <a:p>
+            <a:r>
+              <a:rPr lang="en-US" sz="1500" dirty="0">
+                <a:latin typeface="Verdana" panose="020B0604030504040204" pitchFamily="34" charset="0"/>
+                <a:ea typeface="Verdana" panose="020B0604030504040204" pitchFamily="34" charset="0"/>
+              </a:rPr>
+              <a:t>const myCar2 = new Car("Audi", 2019);</a:t>
+            </a:r>
+          </a:p>
+          <a:p>
+            <a:endParaRPr lang="en-US" sz="1500" dirty="0">
+              <a:latin typeface="Verdana" panose="020B0604030504040204" pitchFamily="34" charset="0"/>
+              <a:ea typeface="Verdana" panose="020B0604030504040204" pitchFamily="34" charset="0"/>
+            </a:endParaRPr>
+          </a:p>
+          <a:p>
+            <a:r>
+              <a:rPr lang="en-US" sz="1500" dirty="0">
+                <a:latin typeface="Verdana" panose="020B0604030504040204" pitchFamily="34" charset="0"/>
+                <a:ea typeface="Verdana" panose="020B0604030504040204" pitchFamily="34" charset="0"/>
+              </a:rPr>
+              <a:t>A JavaScript class is not an object.</a:t>
+            </a:r>
+          </a:p>
+          <a:p>
+            <a:endParaRPr lang="en-US" sz="1500" dirty="0">
+              <a:latin typeface="Verdana" panose="020B0604030504040204" pitchFamily="34" charset="0"/>
+              <a:ea typeface="Verdana" panose="020B0604030504040204" pitchFamily="34" charset="0"/>
+            </a:endParaRPr>
+          </a:p>
+          <a:p>
+            <a:r>
+              <a:rPr lang="en-US" sz="1500" dirty="0">
+                <a:latin typeface="Verdana" panose="020B0604030504040204" pitchFamily="34" charset="0"/>
+                <a:ea typeface="Verdana" panose="020B0604030504040204" pitchFamily="34" charset="0"/>
+              </a:rPr>
+              <a:t>It is a template for JavaScript objects.</a:t>
+            </a:r>
+          </a:p>
+          <a:p>
+            <a:endParaRPr lang="en-US" sz="1500" dirty="0">
+              <a:latin typeface="Verdana" panose="020B0604030504040204" pitchFamily="34" charset="0"/>
+              <a:ea typeface="Verdana" panose="020B0604030504040204" pitchFamily="34" charset="0"/>
+            </a:endParaRPr>
+          </a:p>
+          <a:p>
+            <a:endParaRPr lang="en-US" sz="1500" dirty="0">
+              <a:latin typeface="Verdana" panose="020B0604030504040204" pitchFamily="34" charset="0"/>
+              <a:ea typeface="Verdana" panose="020B0604030504040204" pitchFamily="34" charset="0"/>
+            </a:endParaRPr>
+          </a:p>
+          <a:p>
+            <a:endParaRPr lang="en-US" sz="1500" dirty="0">
+              <a:latin typeface="Verdana" panose="020B0604030504040204" pitchFamily="34" charset="0"/>
+              <a:ea typeface="Verdana" panose="020B0604030504040204" pitchFamily="34" charset="0"/>
+            </a:endParaRPr>
+          </a:p>
+        </p:txBody>
+      </p:sp>
+    </p:spTree>
+    <p:extLst>
+      <p:ext uri="{BB962C8B-B14F-4D97-AF65-F5344CB8AC3E}">
+        <p14:creationId xmlns:p14="http://schemas.microsoft.com/office/powerpoint/2010/main" val="3135051295"/>
+      </p:ext>
+    </p:extLst>
+  </p:cSld>
+  <p:clrMapOvr>
+    <a:masterClrMapping/>
+  </p:clrMapOvr>
+</p:sld>
+</file>
+
+<file path=ppt/slides/slide14.xml><?xml version="1.0" encoding="utf-8"?>
+<p:sld xmlns:a="http://schemas.openxmlformats.org/drawingml/2006/main" xmlns:r="http://schemas.openxmlformats.org/officeDocument/2006/relationships" xmlns:p="http://schemas.openxmlformats.org/presentationml/2006/main">
+  <p:cSld>
+    <p:spTree>
+      <p:nvGrpSpPr>
+        <p:cNvPr id="1" name=""/>
+        <p:cNvGrpSpPr/>
+        <p:nvPr/>
+      </p:nvGrpSpPr>
+      <p:grpSpPr>
+        <a:xfrm>
+          <a:off x="0" y="0"/>
+          <a:ext cx="0" cy="0"/>
+          <a:chOff x="0" y="0"/>
+          <a:chExt cx="0" cy="0"/>
+        </a:xfrm>
+      </p:grpSpPr>
+      <p:sp>
+        <p:nvSpPr>
+          <p:cNvPr id="4" name="TextBox 3">
+            <a:extLst>
+              <a:ext uri="{FF2B5EF4-FFF2-40B4-BE49-F238E27FC236}">
+                <a16:creationId xmlns:a16="http://schemas.microsoft.com/office/drawing/2014/main" id="{E7156463-5A0C-3D94-8BC4-FFA3F35E7D24}"/>
+              </a:ext>
+            </a:extLst>
+          </p:cNvPr>
+          <p:cNvSpPr txBox="1"/>
+          <p:nvPr/>
+        </p:nvSpPr>
+        <p:spPr>
+          <a:xfrm>
+            <a:off x="533400" y="236550"/>
+            <a:ext cx="6096000" cy="369332"/>
+          </a:xfrm>
+          <a:prstGeom prst="rect">
+            <a:avLst/>
+          </a:prstGeom>
+          <a:noFill/>
+        </p:spPr>
+        <p:txBody>
+          <a:bodyPr wrap="square">
+            <a:spAutoFit/>
+          </a:bodyPr>
+          <a:lstStyle/>
+          <a:p>
+            <a:pPr algn="l"/>
+            <a:r>
+              <a:rPr lang="en-US" b="1" i="0" dirty="0">
+                <a:effectLst/>
+                <a:latin typeface="Segoe UI" panose="020B0502040204020203" pitchFamily="34" charset="0"/>
+              </a:rPr>
+              <a:t>JavaScript Modules</a:t>
+            </a:r>
+          </a:p>
+        </p:txBody>
+      </p:sp>
+      <p:sp>
+        <p:nvSpPr>
+          <p:cNvPr id="6" name="TextBox 5">
+            <a:extLst>
+              <a:ext uri="{FF2B5EF4-FFF2-40B4-BE49-F238E27FC236}">
+                <a16:creationId xmlns:a16="http://schemas.microsoft.com/office/drawing/2014/main" id="{0B19D756-8A9C-7426-D690-D38F2980285D}"/>
+              </a:ext>
+            </a:extLst>
+          </p:cNvPr>
+          <p:cNvSpPr txBox="1"/>
+          <p:nvPr/>
+        </p:nvSpPr>
+        <p:spPr>
+          <a:xfrm>
+            <a:off x="503959" y="719433"/>
+            <a:ext cx="9866167" cy="6878806"/>
+          </a:xfrm>
+          <a:prstGeom prst="rect">
+            <a:avLst/>
+          </a:prstGeom>
+          <a:noFill/>
+        </p:spPr>
+        <p:txBody>
+          <a:bodyPr wrap="square">
+            <a:spAutoFit/>
+          </a:bodyPr>
+          <a:lstStyle/>
+          <a:p>
+            <a:r>
+              <a:rPr lang="en-US" sz="1200" b="1" dirty="0">
+                <a:latin typeface="Verdana" panose="020B0604030504040204" pitchFamily="34" charset="0"/>
+                <a:ea typeface="Verdana" panose="020B0604030504040204" pitchFamily="34" charset="0"/>
+              </a:rPr>
+              <a:t>Modules</a:t>
+            </a:r>
+          </a:p>
+          <a:p>
+            <a:r>
+              <a:rPr lang="en-US" sz="1200" dirty="0">
+                <a:latin typeface="Verdana" panose="020B0604030504040204" pitchFamily="34" charset="0"/>
+                <a:ea typeface="Verdana" panose="020B0604030504040204" pitchFamily="34" charset="0"/>
+              </a:rPr>
+              <a:t>JavaScript modules allow you to break up your code into separate files.</a:t>
+            </a:r>
+          </a:p>
+          <a:p>
+            <a:endParaRPr lang="en-US" sz="1200" dirty="0">
+              <a:latin typeface="Verdana" panose="020B0604030504040204" pitchFamily="34" charset="0"/>
+              <a:ea typeface="Verdana" panose="020B0604030504040204" pitchFamily="34" charset="0"/>
+            </a:endParaRPr>
+          </a:p>
+          <a:p>
+            <a:r>
+              <a:rPr lang="en-US" sz="1200" dirty="0">
+                <a:latin typeface="Verdana" panose="020B0604030504040204" pitchFamily="34" charset="0"/>
+                <a:ea typeface="Verdana" panose="020B0604030504040204" pitchFamily="34" charset="0"/>
+              </a:rPr>
+              <a:t>This makes it easier to maintain a code-base.</a:t>
+            </a:r>
+          </a:p>
+          <a:p>
+            <a:endParaRPr lang="en-US" sz="1200" dirty="0">
+              <a:latin typeface="Verdana" panose="020B0604030504040204" pitchFamily="34" charset="0"/>
+              <a:ea typeface="Verdana" panose="020B0604030504040204" pitchFamily="34" charset="0"/>
+            </a:endParaRPr>
+          </a:p>
+          <a:p>
+            <a:r>
+              <a:rPr lang="en-US" sz="1200" dirty="0">
+                <a:latin typeface="Verdana" panose="020B0604030504040204" pitchFamily="34" charset="0"/>
+                <a:ea typeface="Verdana" panose="020B0604030504040204" pitchFamily="34" charset="0"/>
+              </a:rPr>
+              <a:t>Modules are imported from external files with the import statement.</a:t>
+            </a:r>
+          </a:p>
+          <a:p>
+            <a:endParaRPr lang="en-US" sz="1200" dirty="0">
+              <a:latin typeface="Verdana" panose="020B0604030504040204" pitchFamily="34" charset="0"/>
+              <a:ea typeface="Verdana" panose="020B0604030504040204" pitchFamily="34" charset="0"/>
+            </a:endParaRPr>
+          </a:p>
+          <a:p>
+            <a:r>
+              <a:rPr lang="en-US" sz="1200" dirty="0">
+                <a:latin typeface="Verdana" panose="020B0604030504040204" pitchFamily="34" charset="0"/>
+                <a:ea typeface="Verdana" panose="020B0604030504040204" pitchFamily="34" charset="0"/>
+              </a:rPr>
+              <a:t>Modules also rely on type="module" in the &lt;script&gt; tag.</a:t>
+            </a:r>
+          </a:p>
+          <a:p>
+            <a:r>
+              <a:rPr lang="en-US" sz="1200" dirty="0">
+                <a:latin typeface="Verdana" panose="020B0604030504040204" pitchFamily="34" charset="0"/>
+                <a:ea typeface="Verdana" panose="020B0604030504040204" pitchFamily="34" charset="0"/>
+              </a:rPr>
+              <a:t>&lt;script type="module"&gt;</a:t>
+            </a:r>
+          </a:p>
+          <a:p>
+            <a:r>
+              <a:rPr lang="en-US" sz="1200" dirty="0">
+                <a:latin typeface="Verdana" panose="020B0604030504040204" pitchFamily="34" charset="0"/>
+                <a:ea typeface="Verdana" panose="020B0604030504040204" pitchFamily="34" charset="0"/>
+              </a:rPr>
+              <a:t>import message from "./message.js";</a:t>
+            </a:r>
+          </a:p>
+          <a:p>
+            <a:r>
+              <a:rPr lang="en-US" sz="1200" dirty="0">
+                <a:latin typeface="Verdana" panose="020B0604030504040204" pitchFamily="34" charset="0"/>
+                <a:ea typeface="Verdana" panose="020B0604030504040204" pitchFamily="34" charset="0"/>
+              </a:rPr>
+              <a:t>&lt;/script&gt;</a:t>
+            </a:r>
+          </a:p>
+          <a:p>
+            <a:endParaRPr lang="en-US" sz="1500" dirty="0">
+              <a:latin typeface="Verdana" panose="020B0604030504040204" pitchFamily="34" charset="0"/>
+              <a:ea typeface="Verdana" panose="020B0604030504040204" pitchFamily="34" charset="0"/>
+            </a:endParaRPr>
+          </a:p>
+          <a:p>
+            <a:r>
+              <a:rPr lang="en-US" sz="1200" b="1" dirty="0">
+                <a:latin typeface="Verdana" panose="020B0604030504040204" pitchFamily="34" charset="0"/>
+                <a:ea typeface="Verdana" panose="020B0604030504040204" pitchFamily="34" charset="0"/>
+              </a:rPr>
+              <a:t>Import</a:t>
+            </a:r>
+          </a:p>
+          <a:p>
+            <a:r>
+              <a:rPr lang="en-US" sz="1200" dirty="0">
+                <a:latin typeface="Verdana" panose="020B0604030504040204" pitchFamily="34" charset="0"/>
+                <a:ea typeface="Verdana" panose="020B0604030504040204" pitchFamily="34" charset="0"/>
+              </a:rPr>
+              <a:t>You can import modules into a file in two ways, based on if they are named exports or default exports.</a:t>
+            </a:r>
+          </a:p>
+          <a:p>
+            <a:endParaRPr lang="en-US" sz="1200" dirty="0">
+              <a:latin typeface="Verdana" panose="020B0604030504040204" pitchFamily="34" charset="0"/>
+              <a:ea typeface="Verdana" panose="020B0604030504040204" pitchFamily="34" charset="0"/>
+            </a:endParaRPr>
+          </a:p>
+          <a:p>
+            <a:r>
+              <a:rPr lang="en-US" sz="1200" dirty="0">
+                <a:latin typeface="Verdana" panose="020B0604030504040204" pitchFamily="34" charset="0"/>
+                <a:ea typeface="Verdana" panose="020B0604030504040204" pitchFamily="34" charset="0"/>
+              </a:rPr>
+              <a:t>Named exports are constructed using curly braces. Default exports are not.</a:t>
+            </a:r>
+          </a:p>
+          <a:p>
+            <a:endParaRPr lang="en-US" sz="1200" dirty="0">
+              <a:latin typeface="Verdana" panose="020B0604030504040204" pitchFamily="34" charset="0"/>
+              <a:ea typeface="Verdana" panose="020B0604030504040204" pitchFamily="34" charset="0"/>
+            </a:endParaRPr>
+          </a:p>
+          <a:p>
+            <a:r>
+              <a:rPr lang="en-US" sz="1200" dirty="0">
+                <a:latin typeface="Verdana" panose="020B0604030504040204" pitchFamily="34" charset="0"/>
+                <a:ea typeface="Verdana" panose="020B0604030504040204" pitchFamily="34" charset="0"/>
+              </a:rPr>
+              <a:t>&lt;!DOCTYPE html&gt;</a:t>
+            </a:r>
+          </a:p>
+          <a:p>
+            <a:r>
+              <a:rPr lang="en-US" sz="1200" dirty="0">
+                <a:latin typeface="Verdana" panose="020B0604030504040204" pitchFamily="34" charset="0"/>
+                <a:ea typeface="Verdana" panose="020B0604030504040204" pitchFamily="34" charset="0"/>
+              </a:rPr>
+              <a:t>&lt;html&gt;</a:t>
+            </a:r>
+          </a:p>
+          <a:p>
+            <a:r>
+              <a:rPr lang="en-US" sz="1200" dirty="0">
+                <a:latin typeface="Verdana" panose="020B0604030504040204" pitchFamily="34" charset="0"/>
+                <a:ea typeface="Verdana" panose="020B0604030504040204" pitchFamily="34" charset="0"/>
+              </a:rPr>
+              <a:t>&lt;body&gt;</a:t>
+            </a:r>
+          </a:p>
+          <a:p>
+            <a:r>
+              <a:rPr lang="en-US" sz="1200" dirty="0">
+                <a:latin typeface="Verdana" panose="020B0604030504040204" pitchFamily="34" charset="0"/>
+                <a:ea typeface="Verdana" panose="020B0604030504040204" pitchFamily="34" charset="0"/>
+              </a:rPr>
+              <a:t>&lt;h1&gt;JavaScript Modules&lt;/h1&gt;</a:t>
+            </a:r>
+          </a:p>
+          <a:p>
+            <a:endParaRPr lang="en-US" sz="1200" dirty="0">
+              <a:latin typeface="Verdana" panose="020B0604030504040204" pitchFamily="34" charset="0"/>
+              <a:ea typeface="Verdana" panose="020B0604030504040204" pitchFamily="34" charset="0"/>
+            </a:endParaRPr>
+          </a:p>
+          <a:p>
+            <a:r>
+              <a:rPr lang="en-US" sz="1200" dirty="0">
+                <a:latin typeface="Verdana" panose="020B0604030504040204" pitchFamily="34" charset="0"/>
+                <a:ea typeface="Verdana" panose="020B0604030504040204" pitchFamily="34" charset="0"/>
+              </a:rPr>
+              <a:t>&lt;p id="demo"&gt;&lt;/p&gt;</a:t>
+            </a:r>
+          </a:p>
+          <a:p>
+            <a:endParaRPr lang="en-US" sz="1200" dirty="0">
+              <a:latin typeface="Verdana" panose="020B0604030504040204" pitchFamily="34" charset="0"/>
+              <a:ea typeface="Verdana" panose="020B0604030504040204" pitchFamily="34" charset="0"/>
+            </a:endParaRPr>
+          </a:p>
+          <a:p>
+            <a:r>
+              <a:rPr lang="en-US" sz="1200" dirty="0">
+                <a:latin typeface="Verdana" panose="020B0604030504040204" pitchFamily="34" charset="0"/>
+                <a:ea typeface="Verdana" panose="020B0604030504040204" pitchFamily="34" charset="0"/>
+              </a:rPr>
+              <a:t>&lt;script type="module"&gt;</a:t>
+            </a:r>
+          </a:p>
+          <a:p>
+            <a:r>
+              <a:rPr lang="en-US" sz="1200" dirty="0">
+                <a:latin typeface="Verdana" panose="020B0604030504040204" pitchFamily="34" charset="0"/>
+                <a:ea typeface="Verdana" panose="020B0604030504040204" pitchFamily="34" charset="0"/>
+              </a:rPr>
+              <a:t>import { name, age } from "./person.js";</a:t>
+            </a:r>
+          </a:p>
+          <a:p>
+            <a:endParaRPr lang="en-US" sz="1200" dirty="0">
+              <a:latin typeface="Verdana" panose="020B0604030504040204" pitchFamily="34" charset="0"/>
+              <a:ea typeface="Verdana" panose="020B0604030504040204" pitchFamily="34" charset="0"/>
+            </a:endParaRPr>
+          </a:p>
+          <a:p>
+            <a:r>
+              <a:rPr lang="en-US" sz="1200" dirty="0">
+                <a:latin typeface="Verdana" panose="020B0604030504040204" pitchFamily="34" charset="0"/>
+                <a:ea typeface="Verdana" panose="020B0604030504040204" pitchFamily="34" charset="0"/>
+              </a:rPr>
+              <a:t>let text = "My name is " + name + ", I am " + age + ".";</a:t>
+            </a:r>
+          </a:p>
+          <a:p>
+            <a:endParaRPr lang="en-US" sz="1200" dirty="0">
+              <a:latin typeface="Verdana" panose="020B0604030504040204" pitchFamily="34" charset="0"/>
+              <a:ea typeface="Verdana" panose="020B0604030504040204" pitchFamily="34" charset="0"/>
+            </a:endParaRPr>
+          </a:p>
+          <a:p>
+            <a:r>
+              <a:rPr lang="en-US" sz="1200" dirty="0" err="1">
+                <a:latin typeface="Verdana" panose="020B0604030504040204" pitchFamily="34" charset="0"/>
+                <a:ea typeface="Verdana" panose="020B0604030504040204" pitchFamily="34" charset="0"/>
+              </a:rPr>
+              <a:t>document.getElementById</a:t>
+            </a:r>
+            <a:r>
+              <a:rPr lang="en-US" sz="1200" dirty="0">
+                <a:latin typeface="Verdana" panose="020B0604030504040204" pitchFamily="34" charset="0"/>
+                <a:ea typeface="Verdana" panose="020B0604030504040204" pitchFamily="34" charset="0"/>
+              </a:rPr>
+              <a:t>("demo").</a:t>
+            </a:r>
+            <a:r>
+              <a:rPr lang="en-US" sz="1200" dirty="0" err="1">
+                <a:latin typeface="Verdana" panose="020B0604030504040204" pitchFamily="34" charset="0"/>
+                <a:ea typeface="Verdana" panose="020B0604030504040204" pitchFamily="34" charset="0"/>
+              </a:rPr>
+              <a:t>innerHTML</a:t>
+            </a:r>
+            <a:r>
+              <a:rPr lang="en-US" sz="1200" dirty="0">
+                <a:latin typeface="Verdana" panose="020B0604030504040204" pitchFamily="34" charset="0"/>
+                <a:ea typeface="Verdana" panose="020B0604030504040204" pitchFamily="34" charset="0"/>
+              </a:rPr>
+              <a:t> = text;</a:t>
+            </a:r>
+          </a:p>
+          <a:p>
+            <a:r>
+              <a:rPr lang="en-US" sz="1200" dirty="0">
+                <a:latin typeface="Verdana" panose="020B0604030504040204" pitchFamily="34" charset="0"/>
+                <a:ea typeface="Verdana" panose="020B0604030504040204" pitchFamily="34" charset="0"/>
+              </a:rPr>
+              <a:t>&lt;/script&gt;</a:t>
+            </a:r>
+          </a:p>
+          <a:p>
+            <a:endParaRPr lang="en-US" sz="1200" dirty="0">
+              <a:latin typeface="Verdana" panose="020B0604030504040204" pitchFamily="34" charset="0"/>
+              <a:ea typeface="Verdana" panose="020B0604030504040204" pitchFamily="34" charset="0"/>
+            </a:endParaRPr>
+          </a:p>
+          <a:p>
+            <a:r>
+              <a:rPr lang="en-US" sz="1200" dirty="0">
+                <a:latin typeface="Verdana" panose="020B0604030504040204" pitchFamily="34" charset="0"/>
+                <a:ea typeface="Verdana" panose="020B0604030504040204" pitchFamily="34" charset="0"/>
+              </a:rPr>
+              <a:t>&lt;/body&gt;</a:t>
+            </a:r>
+          </a:p>
+          <a:p>
+            <a:r>
+              <a:rPr lang="en-US" sz="1200" dirty="0">
+                <a:latin typeface="Verdana" panose="020B0604030504040204" pitchFamily="34" charset="0"/>
+                <a:ea typeface="Verdana" panose="020B0604030504040204" pitchFamily="34" charset="0"/>
+              </a:rPr>
+              <a:t>&lt;/html&gt;</a:t>
+            </a:r>
+          </a:p>
+          <a:p>
+            <a:endParaRPr lang="en-US" sz="1500" dirty="0">
+              <a:latin typeface="Verdana" panose="020B0604030504040204" pitchFamily="34" charset="0"/>
+              <a:ea typeface="Verdana" panose="020B0604030504040204" pitchFamily="34" charset="0"/>
+            </a:endParaRPr>
+          </a:p>
+          <a:p>
+            <a:endParaRPr lang="en-US" sz="1500" dirty="0">
+              <a:latin typeface="Verdana" panose="020B0604030504040204" pitchFamily="34" charset="0"/>
+              <a:ea typeface="Verdana" panose="020B0604030504040204" pitchFamily="34" charset="0"/>
+            </a:endParaRPr>
+          </a:p>
+        </p:txBody>
+      </p:sp>
+    </p:spTree>
+    <p:extLst>
+      <p:ext uri="{BB962C8B-B14F-4D97-AF65-F5344CB8AC3E}">
+        <p14:creationId xmlns:p14="http://schemas.microsoft.com/office/powerpoint/2010/main" val="1305721736"/>
+      </p:ext>
+    </p:extLst>
+  </p:cSld>
+  <p:clrMapOvr>
+    <a:masterClrMapping/>
+  </p:clrMapOvr>
+</p:sld>
+</file>
+
+<file path=ppt/slides/slide15.xml><?xml version="1.0" encoding="utf-8"?>
+<p:sld xmlns:a="http://schemas.openxmlformats.org/drawingml/2006/main" xmlns:r="http://schemas.openxmlformats.org/officeDocument/2006/relationships" xmlns:p="http://schemas.openxmlformats.org/presentationml/2006/main">
+  <p:cSld>
+    <p:spTree>
+      <p:nvGrpSpPr>
+        <p:cNvPr id="1" name=""/>
+        <p:cNvGrpSpPr/>
+        <p:nvPr/>
+      </p:nvGrpSpPr>
+      <p:grpSpPr>
+        <a:xfrm>
+          <a:off x="0" y="0"/>
+          <a:ext cx="0" cy="0"/>
+          <a:chOff x="0" y="0"/>
+          <a:chExt cx="0" cy="0"/>
+        </a:xfrm>
+      </p:grpSpPr>
+      <p:sp>
+        <p:nvSpPr>
+          <p:cNvPr id="4" name="TextBox 3">
+            <a:extLst>
+              <a:ext uri="{FF2B5EF4-FFF2-40B4-BE49-F238E27FC236}">
+                <a16:creationId xmlns:a16="http://schemas.microsoft.com/office/drawing/2014/main" id="{E7156463-5A0C-3D94-8BC4-FFA3F35E7D24}"/>
+              </a:ext>
+            </a:extLst>
+          </p:cNvPr>
+          <p:cNvSpPr txBox="1"/>
+          <p:nvPr/>
+        </p:nvSpPr>
+        <p:spPr>
+          <a:xfrm>
+            <a:off x="533400" y="236550"/>
+            <a:ext cx="6096000" cy="369332"/>
+          </a:xfrm>
+          <a:prstGeom prst="rect">
+            <a:avLst/>
+          </a:prstGeom>
+          <a:noFill/>
+        </p:spPr>
+        <p:txBody>
+          <a:bodyPr wrap="square">
+            <a:spAutoFit/>
+          </a:bodyPr>
+          <a:lstStyle/>
+          <a:p>
+            <a:pPr algn="l"/>
+            <a:r>
+              <a:rPr lang="en-US" b="1" i="0" dirty="0">
+                <a:effectLst/>
+                <a:latin typeface="Segoe UI" panose="020B0502040204020203" pitchFamily="34" charset="0"/>
+              </a:rPr>
+              <a:t>JavaScript </a:t>
+            </a:r>
+            <a:r>
+              <a:rPr lang="en-US" b="1" i="0" dirty="0" err="1">
+                <a:effectLst/>
+                <a:latin typeface="Segoe UI" panose="020B0502040204020203" pitchFamily="34" charset="0"/>
+              </a:rPr>
+              <a:t>CallBack</a:t>
+            </a:r>
+            <a:r>
+              <a:rPr lang="en-US" b="1" i="0" dirty="0">
+                <a:effectLst/>
+                <a:latin typeface="Segoe UI" panose="020B0502040204020203" pitchFamily="34" charset="0"/>
+              </a:rPr>
+              <a:t> Function</a:t>
+            </a:r>
+          </a:p>
+        </p:txBody>
+      </p:sp>
+      <p:sp>
+        <p:nvSpPr>
+          <p:cNvPr id="3" name="TextBox 2">
+            <a:extLst>
+              <a:ext uri="{FF2B5EF4-FFF2-40B4-BE49-F238E27FC236}">
+                <a16:creationId xmlns:a16="http://schemas.microsoft.com/office/drawing/2014/main" id="{ACDA81E7-41AD-F2C2-6251-92601829A9D9}"/>
+              </a:ext>
+            </a:extLst>
+          </p:cNvPr>
+          <p:cNvSpPr txBox="1"/>
+          <p:nvPr/>
+        </p:nvSpPr>
+        <p:spPr>
+          <a:xfrm>
+            <a:off x="533399" y="697629"/>
+            <a:ext cx="10025255" cy="5078313"/>
+          </a:xfrm>
+          <a:prstGeom prst="rect">
+            <a:avLst/>
+          </a:prstGeom>
+          <a:noFill/>
+        </p:spPr>
+        <p:txBody>
+          <a:bodyPr wrap="square">
+            <a:spAutoFit/>
+          </a:bodyPr>
+          <a:lstStyle/>
+          <a:p>
+            <a:r>
+              <a:rPr lang="en-US" dirty="0"/>
+              <a:t>In JavaScript, you can also pass a function as an argument to a function. This function that is passed as an argument inside of another function is called a callback function.</a:t>
+            </a:r>
+          </a:p>
+          <a:p>
+            <a:endParaRPr lang="en-US" dirty="0"/>
+          </a:p>
+          <a:p>
+            <a:r>
+              <a:rPr lang="en-US" dirty="0"/>
+              <a:t>// function</a:t>
+            </a:r>
+          </a:p>
+          <a:p>
+            <a:r>
+              <a:rPr lang="en-US" dirty="0"/>
+              <a:t>function greet(name, callback) {</a:t>
+            </a:r>
+          </a:p>
+          <a:p>
+            <a:r>
+              <a:rPr lang="en-US" dirty="0"/>
+              <a:t>    console.log('Hi' + ' ' + name);</a:t>
+            </a:r>
+          </a:p>
+          <a:p>
+            <a:r>
+              <a:rPr lang="en-US" dirty="0"/>
+              <a:t>    callback();</a:t>
+            </a:r>
+          </a:p>
+          <a:p>
+            <a:r>
+              <a:rPr lang="en-US" dirty="0"/>
+              <a:t>}</a:t>
+            </a:r>
+          </a:p>
+          <a:p>
+            <a:endParaRPr lang="en-US" dirty="0"/>
+          </a:p>
+          <a:p>
+            <a:r>
+              <a:rPr lang="en-US" dirty="0"/>
+              <a:t>// callback function</a:t>
+            </a:r>
+          </a:p>
+          <a:p>
+            <a:r>
+              <a:rPr lang="en-US" dirty="0"/>
+              <a:t>function </a:t>
+            </a:r>
+            <a:r>
+              <a:rPr lang="en-US" dirty="0" err="1"/>
+              <a:t>callMe</a:t>
+            </a:r>
+            <a:r>
+              <a:rPr lang="en-US" dirty="0"/>
+              <a:t>() {</a:t>
+            </a:r>
+          </a:p>
+          <a:p>
+            <a:r>
+              <a:rPr lang="en-US" dirty="0"/>
+              <a:t>    console.log('I am callback function');</a:t>
+            </a:r>
+          </a:p>
+          <a:p>
+            <a:r>
+              <a:rPr lang="en-US" dirty="0"/>
+              <a:t>}</a:t>
+            </a:r>
+          </a:p>
+          <a:p>
+            <a:endParaRPr lang="en-US" dirty="0"/>
+          </a:p>
+          <a:p>
+            <a:r>
+              <a:rPr lang="en-US" dirty="0"/>
+              <a:t>// passing function as an argument</a:t>
+            </a:r>
+          </a:p>
+          <a:p>
+            <a:r>
+              <a:rPr lang="en-US" dirty="0"/>
+              <a:t>greet('Peter', </a:t>
+            </a:r>
+            <a:r>
+              <a:rPr lang="en-US" dirty="0" err="1"/>
+              <a:t>callMe</a:t>
+            </a:r>
+            <a:r>
+              <a:rPr lang="en-US" dirty="0"/>
+              <a:t>);</a:t>
+            </a:r>
+          </a:p>
+          <a:p>
+            <a:endParaRPr lang="en-US" dirty="0"/>
+          </a:p>
+          <a:p>
+            <a:r>
+              <a:rPr lang="en-US" dirty="0"/>
+              <a:t> </a:t>
+            </a:r>
+          </a:p>
+        </p:txBody>
+      </p:sp>
+    </p:spTree>
+    <p:extLst>
+      <p:ext uri="{BB962C8B-B14F-4D97-AF65-F5344CB8AC3E}">
+        <p14:creationId xmlns:p14="http://schemas.microsoft.com/office/powerpoint/2010/main" val="566001287"/>
+      </p:ext>
+    </p:extLst>
+  </p:cSld>
+  <p:clrMapOvr>
+    <a:masterClrMapping/>
+  </p:clrMapOvr>
+</p:sld>
+</file>
+
+<file path=ppt/slides/slide16.xml><?xml version="1.0" encoding="utf-8"?>
+<p:sld xmlns:a="http://schemas.openxmlformats.org/drawingml/2006/main" xmlns:r="http://schemas.openxmlformats.org/officeDocument/2006/relationships" xmlns:p="http://schemas.openxmlformats.org/presentationml/2006/main">
+  <p:cSld>
+    <p:spTree>
+      <p:nvGrpSpPr>
+        <p:cNvPr id="1" name=""/>
+        <p:cNvGrpSpPr/>
+        <p:nvPr/>
+      </p:nvGrpSpPr>
+      <p:grpSpPr>
+        <a:xfrm>
+          <a:off x="0" y="0"/>
+          <a:ext cx="0" cy="0"/>
+          <a:chOff x="0" y="0"/>
+          <a:chExt cx="0" cy="0"/>
+        </a:xfrm>
+      </p:grpSpPr>
+      <p:sp>
+        <p:nvSpPr>
+          <p:cNvPr id="4" name="TextBox 3">
+            <a:extLst>
+              <a:ext uri="{FF2B5EF4-FFF2-40B4-BE49-F238E27FC236}">
+                <a16:creationId xmlns:a16="http://schemas.microsoft.com/office/drawing/2014/main" id="{E7156463-5A0C-3D94-8BC4-FFA3F35E7D24}"/>
+              </a:ext>
+            </a:extLst>
+          </p:cNvPr>
+          <p:cNvSpPr txBox="1"/>
+          <p:nvPr/>
+        </p:nvSpPr>
+        <p:spPr>
+          <a:xfrm>
+            <a:off x="533400" y="236550"/>
+            <a:ext cx="6096000" cy="369332"/>
+          </a:xfrm>
+          <a:prstGeom prst="rect">
+            <a:avLst/>
+          </a:prstGeom>
+          <a:noFill/>
+        </p:spPr>
+        <p:txBody>
+          <a:bodyPr wrap="square">
+            <a:spAutoFit/>
+          </a:bodyPr>
+          <a:lstStyle/>
+          <a:p>
+            <a:pPr algn="l"/>
+            <a:r>
+              <a:rPr lang="en-US" b="1" i="0" dirty="0" err="1">
+                <a:effectLst/>
+                <a:latin typeface="Segoe UI" panose="020B0502040204020203" pitchFamily="34" charset="0"/>
+              </a:rPr>
+              <a:t>Destructuring</a:t>
+            </a:r>
+            <a:endParaRPr lang="en-US" b="1" i="0" dirty="0">
+              <a:effectLst/>
+              <a:latin typeface="Segoe UI" panose="020B0502040204020203" pitchFamily="34" charset="0"/>
+            </a:endParaRPr>
+          </a:p>
+        </p:txBody>
+      </p:sp>
+      <p:sp>
+        <p:nvSpPr>
+          <p:cNvPr id="3" name="TextBox 2">
+            <a:extLst>
+              <a:ext uri="{FF2B5EF4-FFF2-40B4-BE49-F238E27FC236}">
+                <a16:creationId xmlns:a16="http://schemas.microsoft.com/office/drawing/2014/main" id="{ACDA81E7-41AD-F2C2-6251-92601829A9D9}"/>
+              </a:ext>
+            </a:extLst>
+          </p:cNvPr>
+          <p:cNvSpPr txBox="1"/>
+          <p:nvPr/>
+        </p:nvSpPr>
+        <p:spPr>
+          <a:xfrm>
+            <a:off x="533399" y="697629"/>
+            <a:ext cx="10025255" cy="1200329"/>
+          </a:xfrm>
+          <a:prstGeom prst="rect">
+            <a:avLst/>
+          </a:prstGeom>
+          <a:noFill/>
+        </p:spPr>
+        <p:txBody>
+          <a:bodyPr wrap="square">
+            <a:spAutoFit/>
+          </a:bodyPr>
+          <a:lstStyle/>
+          <a:p>
+            <a:endParaRPr lang="en-US" dirty="0"/>
+          </a:p>
+          <a:p>
+            <a:r>
+              <a:rPr lang="en-US" dirty="0" err="1"/>
+              <a:t>Destructuring</a:t>
+            </a:r>
+            <a:r>
+              <a:rPr lang="en-US" dirty="0"/>
+              <a:t> makes it easy to extract only what is needed. into another array or object.</a:t>
+            </a:r>
+          </a:p>
+          <a:p>
+            <a:endParaRPr lang="en-US" dirty="0"/>
+          </a:p>
+          <a:p>
+            <a:endParaRPr lang="en-US" dirty="0"/>
+          </a:p>
+        </p:txBody>
+      </p:sp>
+    </p:spTree>
+    <p:extLst>
+      <p:ext uri="{BB962C8B-B14F-4D97-AF65-F5344CB8AC3E}">
+        <p14:creationId xmlns:p14="http://schemas.microsoft.com/office/powerpoint/2010/main" val="4013629659"/>
+      </p:ext>
+    </p:extLst>
+  </p:cSld>
+  <p:clrMapOvr>
+    <a:masterClrMapping/>
+  </p:clrMapOvr>
+</p:sld>
+</file>
+
+<file path=ppt/slides/slide17.xml><?xml version="1.0" encoding="utf-8"?>
+<p:sld xmlns:a="http://schemas.openxmlformats.org/drawingml/2006/main" xmlns:r="http://schemas.openxmlformats.org/officeDocument/2006/relationships" xmlns:p="http://schemas.openxmlformats.org/presentationml/2006/main">
+  <p:cSld>
+    <p:spTree>
+      <p:nvGrpSpPr>
+        <p:cNvPr id="1" name=""/>
+        <p:cNvGrpSpPr/>
+        <p:nvPr/>
+      </p:nvGrpSpPr>
+      <p:grpSpPr>
+        <a:xfrm>
+          <a:off x="0" y="0"/>
+          <a:ext cx="0" cy="0"/>
+          <a:chOff x="0" y="0"/>
+          <a:chExt cx="0" cy="0"/>
+        </a:xfrm>
+      </p:grpSpPr>
+      <p:sp>
+        <p:nvSpPr>
+          <p:cNvPr id="4" name="TextBox 3">
+            <a:extLst>
+              <a:ext uri="{FF2B5EF4-FFF2-40B4-BE49-F238E27FC236}">
+                <a16:creationId xmlns:a16="http://schemas.microsoft.com/office/drawing/2014/main" id="{E7156463-5A0C-3D94-8BC4-FFA3F35E7D24}"/>
+              </a:ext>
+            </a:extLst>
+          </p:cNvPr>
+          <p:cNvSpPr txBox="1"/>
+          <p:nvPr/>
+        </p:nvSpPr>
+        <p:spPr>
+          <a:xfrm>
+            <a:off x="533400" y="236550"/>
+            <a:ext cx="6096000" cy="369332"/>
+          </a:xfrm>
+          <a:prstGeom prst="rect">
+            <a:avLst/>
+          </a:prstGeom>
+          <a:noFill/>
+        </p:spPr>
+        <p:txBody>
+          <a:bodyPr wrap="square">
+            <a:spAutoFit/>
+          </a:bodyPr>
+          <a:lstStyle/>
+          <a:p>
+            <a:pPr algn="l"/>
+            <a:r>
+              <a:rPr lang="en-US" b="1" i="0" dirty="0">
+                <a:effectLst/>
+                <a:latin typeface="Segoe UI" panose="020B0502040204020203" pitchFamily="34" charset="0"/>
+              </a:rPr>
+              <a:t>ES6 Spread Operator</a:t>
+            </a:r>
+          </a:p>
+        </p:txBody>
+      </p:sp>
+      <p:sp>
+        <p:nvSpPr>
+          <p:cNvPr id="3" name="TextBox 2">
+            <a:extLst>
+              <a:ext uri="{FF2B5EF4-FFF2-40B4-BE49-F238E27FC236}">
+                <a16:creationId xmlns:a16="http://schemas.microsoft.com/office/drawing/2014/main" id="{ACDA81E7-41AD-F2C2-6251-92601829A9D9}"/>
+              </a:ext>
+            </a:extLst>
+          </p:cNvPr>
+          <p:cNvSpPr txBox="1"/>
+          <p:nvPr/>
+        </p:nvSpPr>
+        <p:spPr>
+          <a:xfrm>
+            <a:off x="533399" y="697629"/>
+            <a:ext cx="10025255" cy="646331"/>
+          </a:xfrm>
+          <a:prstGeom prst="rect">
+            <a:avLst/>
+          </a:prstGeom>
+          <a:noFill/>
+        </p:spPr>
+        <p:txBody>
+          <a:bodyPr wrap="square">
+            <a:spAutoFit/>
+          </a:bodyPr>
+          <a:lstStyle/>
+          <a:p>
+            <a:r>
+              <a:rPr lang="en-US" dirty="0"/>
+              <a:t>The JavaScript spread operator (...) allows us to quickly copy all or part of an existing array or object into another array or object.</a:t>
+            </a:r>
+          </a:p>
+        </p:txBody>
+      </p:sp>
+    </p:spTree>
+    <p:extLst>
+      <p:ext uri="{BB962C8B-B14F-4D97-AF65-F5344CB8AC3E}">
+        <p14:creationId xmlns:p14="http://schemas.microsoft.com/office/powerpoint/2010/main" val="3481509675"/>
+      </p:ext>
+    </p:extLst>
+  </p:cSld>
+  <p:clrMapOvr>
+    <a:masterClrMapping/>
+  </p:clrMapOvr>
+</p:sld>
+</file>
+
+<file path=ppt/slides/slide18.xml><?xml version="1.0" encoding="utf-8"?>
+<p:sld xmlns:a="http://schemas.openxmlformats.org/drawingml/2006/main" xmlns:r="http://schemas.openxmlformats.org/officeDocument/2006/relationships" xmlns:p="http://schemas.openxmlformats.org/presentationml/2006/main">
+  <p:cSld>
+    <p:spTree>
+      <p:nvGrpSpPr>
+        <p:cNvPr id="1" name=""/>
+        <p:cNvGrpSpPr/>
+        <p:nvPr/>
+      </p:nvGrpSpPr>
+      <p:grpSpPr>
+        <a:xfrm>
+          <a:off x="0" y="0"/>
+          <a:ext cx="0" cy="0"/>
+          <a:chOff x="0" y="0"/>
+          <a:chExt cx="0" cy="0"/>
+        </a:xfrm>
+      </p:grpSpPr>
+      <p:sp>
+        <p:nvSpPr>
+          <p:cNvPr id="4" name="TextBox 3">
+            <a:extLst>
+              <a:ext uri="{FF2B5EF4-FFF2-40B4-BE49-F238E27FC236}">
+                <a16:creationId xmlns:a16="http://schemas.microsoft.com/office/drawing/2014/main" id="{E7156463-5A0C-3D94-8BC4-FFA3F35E7D24}"/>
+              </a:ext>
+            </a:extLst>
+          </p:cNvPr>
+          <p:cNvSpPr txBox="1"/>
+          <p:nvPr/>
+        </p:nvSpPr>
+        <p:spPr>
+          <a:xfrm>
+            <a:off x="533400" y="236550"/>
+            <a:ext cx="6096000" cy="369332"/>
+          </a:xfrm>
+          <a:prstGeom prst="rect">
+            <a:avLst/>
+          </a:prstGeom>
+          <a:noFill/>
+        </p:spPr>
+        <p:txBody>
+          <a:bodyPr wrap="square">
+            <a:spAutoFit/>
+          </a:bodyPr>
+          <a:lstStyle/>
+          <a:p>
+            <a:pPr algn="l"/>
+            <a:r>
+              <a:rPr lang="en-US" b="1" i="0" dirty="0">
+                <a:effectLst/>
+                <a:latin typeface="Segoe UI" panose="020B0502040204020203" pitchFamily="34" charset="0"/>
+              </a:rPr>
+              <a:t>Promise</a:t>
+            </a:r>
+          </a:p>
+        </p:txBody>
+      </p:sp>
+      <p:sp>
+        <p:nvSpPr>
+          <p:cNvPr id="3" name="TextBox 2">
+            <a:extLst>
+              <a:ext uri="{FF2B5EF4-FFF2-40B4-BE49-F238E27FC236}">
+                <a16:creationId xmlns:a16="http://schemas.microsoft.com/office/drawing/2014/main" id="{ACDA81E7-41AD-F2C2-6251-92601829A9D9}"/>
+              </a:ext>
+            </a:extLst>
+          </p:cNvPr>
+          <p:cNvSpPr txBox="1"/>
+          <p:nvPr/>
+        </p:nvSpPr>
+        <p:spPr>
+          <a:xfrm>
+            <a:off x="533399" y="697629"/>
+            <a:ext cx="10025255" cy="4524315"/>
+          </a:xfrm>
+          <a:prstGeom prst="rect">
+            <a:avLst/>
+          </a:prstGeom>
+          <a:noFill/>
+        </p:spPr>
+        <p:txBody>
+          <a:bodyPr wrap="square">
+            <a:spAutoFit/>
+          </a:bodyPr>
+          <a:lstStyle/>
+          <a:p>
+            <a:r>
+              <a:rPr lang="en-US" dirty="0"/>
+              <a:t>A promise is simply a placeholder for an asynchronous task which is yet to be completed. When you define a promise object in your script, instead of returning a value immediately, it returns a promise. </a:t>
+            </a:r>
+          </a:p>
+          <a:p>
+            <a:endParaRPr lang="en-US" dirty="0"/>
+          </a:p>
+          <a:p>
+            <a:r>
+              <a:rPr lang="en-US" dirty="0"/>
+              <a:t>const </a:t>
+            </a:r>
+            <a:r>
+              <a:rPr lang="en-US" dirty="0" err="1"/>
+              <a:t>myPromise</a:t>
+            </a:r>
+            <a:r>
+              <a:rPr lang="en-US" dirty="0"/>
+              <a:t> = new Promise((resolve, reject) =&gt; {</a:t>
+            </a:r>
+          </a:p>
+          <a:p>
+            <a:r>
+              <a:rPr lang="en-US" dirty="0"/>
+              <a:t>  </a:t>
+            </a:r>
+            <a:r>
+              <a:rPr lang="en-US" dirty="0" err="1"/>
+              <a:t>setTimeout</a:t>
+            </a:r>
+            <a:r>
+              <a:rPr lang="en-US" dirty="0"/>
+              <a:t>(() =&gt; {</a:t>
+            </a:r>
+          </a:p>
+          <a:p>
+            <a:r>
+              <a:rPr lang="en-US" dirty="0"/>
+              <a:t>    resolve('this is the eventual value the promise will return');</a:t>
+            </a:r>
+          </a:p>
+          <a:p>
+            <a:r>
+              <a:rPr lang="en-US" dirty="0"/>
+              <a:t>  }, 300);</a:t>
+            </a:r>
+          </a:p>
+          <a:p>
+            <a:r>
+              <a:rPr lang="en-US" dirty="0"/>
+              <a:t>});</a:t>
+            </a:r>
+          </a:p>
+          <a:p>
+            <a:endParaRPr lang="en-US" dirty="0"/>
+          </a:p>
+          <a:p>
+            <a:r>
+              <a:rPr lang="en-US" dirty="0"/>
+              <a:t>console.log(</a:t>
+            </a:r>
+            <a:r>
+              <a:rPr lang="en-US" dirty="0" err="1"/>
+              <a:t>myPromise</a:t>
+            </a:r>
+            <a:r>
+              <a:rPr lang="en-US" dirty="0"/>
+              <a:t>);</a:t>
+            </a:r>
+          </a:p>
+          <a:p>
+            <a:endParaRPr lang="en-US" dirty="0"/>
+          </a:p>
+          <a:p>
+            <a:r>
+              <a:rPr lang="en-US" dirty="0"/>
+              <a:t>When the promise finally returns a value, you will typically want to do something with that return value.</a:t>
+            </a:r>
+          </a:p>
+          <a:p>
+            <a:endParaRPr lang="en-US" dirty="0"/>
+          </a:p>
+          <a:p>
+            <a:endParaRPr lang="en-US" dirty="0"/>
+          </a:p>
+        </p:txBody>
+      </p:sp>
+    </p:spTree>
+    <p:extLst>
+      <p:ext uri="{BB962C8B-B14F-4D97-AF65-F5344CB8AC3E}">
+        <p14:creationId xmlns:p14="http://schemas.microsoft.com/office/powerpoint/2010/main" val="2731650642"/>
+      </p:ext>
+    </p:extLst>
+  </p:cSld>
+  <p:clrMapOvr>
+    <a:masterClrMapping/>
+  </p:clrMapOvr>
+</p:sld>
+</file>
+
+<file path=ppt/slides/slide19.xml><?xml version="1.0" encoding="utf-8"?>
+<p:sld xmlns:a="http://schemas.openxmlformats.org/drawingml/2006/main" xmlns:r="http://schemas.openxmlformats.org/officeDocument/2006/relationships" xmlns:p="http://schemas.openxmlformats.org/presentationml/2006/main">
+  <p:cSld>
+    <p:spTree>
+      <p:nvGrpSpPr>
+        <p:cNvPr id="1" name=""/>
+        <p:cNvGrpSpPr/>
+        <p:nvPr/>
+      </p:nvGrpSpPr>
+      <p:grpSpPr>
+        <a:xfrm>
+          <a:off x="0" y="0"/>
+          <a:ext cx="0" cy="0"/>
+          <a:chOff x="0" y="0"/>
+          <a:chExt cx="0" cy="0"/>
+        </a:xfrm>
+      </p:grpSpPr>
+      <p:sp>
+        <p:nvSpPr>
+          <p:cNvPr id="4" name="TextBox 3">
+            <a:extLst>
+              <a:ext uri="{FF2B5EF4-FFF2-40B4-BE49-F238E27FC236}">
+                <a16:creationId xmlns:a16="http://schemas.microsoft.com/office/drawing/2014/main" id="{E7156463-5A0C-3D94-8BC4-FFA3F35E7D24}"/>
+              </a:ext>
+            </a:extLst>
+          </p:cNvPr>
+          <p:cNvSpPr txBox="1"/>
+          <p:nvPr/>
+        </p:nvSpPr>
+        <p:spPr>
+          <a:xfrm>
+            <a:off x="533400" y="236550"/>
+            <a:ext cx="6096000" cy="369332"/>
+          </a:xfrm>
+          <a:prstGeom prst="rect">
+            <a:avLst/>
+          </a:prstGeom>
+          <a:noFill/>
+        </p:spPr>
+        <p:txBody>
+          <a:bodyPr wrap="square">
+            <a:spAutoFit/>
+          </a:bodyPr>
+          <a:lstStyle/>
+          <a:p>
+            <a:pPr algn="l"/>
+            <a:r>
+              <a:rPr lang="en-US" b="1" i="0" dirty="0">
+                <a:effectLst/>
+                <a:latin typeface="Segoe UI" panose="020B0502040204020203" pitchFamily="34" charset="0"/>
+              </a:rPr>
+              <a:t>Async/await</a:t>
+            </a:r>
+          </a:p>
+        </p:txBody>
+      </p:sp>
+      <p:sp>
+        <p:nvSpPr>
+          <p:cNvPr id="3" name="TextBox 2">
+            <a:extLst>
+              <a:ext uri="{FF2B5EF4-FFF2-40B4-BE49-F238E27FC236}">
+                <a16:creationId xmlns:a16="http://schemas.microsoft.com/office/drawing/2014/main" id="{ACDA81E7-41AD-F2C2-6251-92601829A9D9}"/>
+              </a:ext>
+            </a:extLst>
+          </p:cNvPr>
+          <p:cNvSpPr txBox="1"/>
+          <p:nvPr/>
+        </p:nvSpPr>
+        <p:spPr>
+          <a:xfrm>
+            <a:off x="533399" y="697629"/>
+            <a:ext cx="10025255" cy="4616648"/>
+          </a:xfrm>
+          <a:prstGeom prst="rect">
+            <a:avLst/>
+          </a:prstGeom>
+          <a:noFill/>
+        </p:spPr>
+        <p:txBody>
+          <a:bodyPr wrap="square">
+            <a:spAutoFit/>
+          </a:bodyPr>
+          <a:lstStyle/>
+          <a:p>
+            <a:r>
+              <a:rPr lang="en-US" sz="1400" dirty="0"/>
+              <a:t>"async and await make promises easier to write"</a:t>
+            </a:r>
+          </a:p>
+          <a:p>
+            <a:endParaRPr lang="en-US" sz="1400" dirty="0"/>
+          </a:p>
+          <a:p>
+            <a:r>
+              <a:rPr lang="en-US" sz="1400" dirty="0"/>
+              <a:t>async makes a function return a Promise</a:t>
+            </a:r>
+          </a:p>
+          <a:p>
+            <a:endParaRPr lang="en-US" sz="1400" dirty="0"/>
+          </a:p>
+          <a:p>
+            <a:r>
+              <a:rPr lang="en-US" sz="1400" dirty="0"/>
+              <a:t>await makes a function wait for a Promise</a:t>
+            </a:r>
+          </a:p>
+          <a:p>
+            <a:endParaRPr lang="en-US" sz="1400" dirty="0"/>
+          </a:p>
+          <a:p>
+            <a:r>
+              <a:rPr lang="en-US" sz="1400" dirty="0"/>
+              <a:t>There’s a special syntax to work with promises in a more comfortable fashion, called “async/await”. It’s surprisingly easy to understand and use.	</a:t>
+            </a:r>
+          </a:p>
+          <a:p>
+            <a:r>
+              <a:rPr lang="en-US" sz="1400" dirty="0"/>
+              <a:t>async function f() {</a:t>
+            </a:r>
+          </a:p>
+          <a:p>
+            <a:endParaRPr lang="en-US" sz="1400" dirty="0"/>
+          </a:p>
+          <a:p>
+            <a:r>
+              <a:rPr lang="en-US" sz="1400" dirty="0"/>
+              <a:t>  let promise = new Promise((resolve, reject) =&gt; {</a:t>
+            </a:r>
+          </a:p>
+          <a:p>
+            <a:r>
+              <a:rPr lang="en-US" sz="1400" dirty="0"/>
+              <a:t>    </a:t>
+            </a:r>
+            <a:r>
+              <a:rPr lang="en-US" sz="1400" dirty="0" err="1"/>
+              <a:t>setTimeout</a:t>
+            </a:r>
+            <a:r>
+              <a:rPr lang="en-US" sz="1400" dirty="0"/>
+              <a:t>(() =&gt; resolve("done!"), 1000)</a:t>
+            </a:r>
+          </a:p>
+          <a:p>
+            <a:r>
+              <a:rPr lang="en-US" sz="1400" dirty="0"/>
+              <a:t>  });</a:t>
+            </a:r>
+          </a:p>
+          <a:p>
+            <a:endParaRPr lang="en-US" sz="1400" dirty="0"/>
+          </a:p>
+          <a:p>
+            <a:r>
+              <a:rPr lang="en-US" sz="1400" dirty="0"/>
+              <a:t>  let result = await promise; // wait until the promise resolves (*)</a:t>
+            </a:r>
+          </a:p>
+          <a:p>
+            <a:endParaRPr lang="en-US" sz="1400" dirty="0"/>
+          </a:p>
+          <a:p>
+            <a:r>
+              <a:rPr lang="en-US" sz="1400" dirty="0"/>
+              <a:t>  alert(result); // "done!"</a:t>
+            </a:r>
+          </a:p>
+          <a:p>
+            <a:r>
+              <a:rPr lang="en-US" sz="1400" dirty="0"/>
+              <a:t>}</a:t>
+            </a:r>
+          </a:p>
+          <a:p>
+            <a:endParaRPr lang="en-US" sz="1400" dirty="0"/>
+          </a:p>
+          <a:p>
+            <a:r>
+              <a:rPr lang="en-US" sz="1400" dirty="0"/>
+              <a:t>f();</a:t>
+            </a:r>
+          </a:p>
+          <a:p>
+            <a:endParaRPr lang="en-US" sz="1400" dirty="0"/>
+          </a:p>
+        </p:txBody>
+      </p:sp>
+    </p:spTree>
+    <p:extLst>
+      <p:ext uri="{BB962C8B-B14F-4D97-AF65-F5344CB8AC3E}">
+        <p14:creationId xmlns:p14="http://schemas.microsoft.com/office/powerpoint/2010/main" val="188650723"/>
       </p:ext>
     </p:extLst>
   </p:cSld>
